--- a/Presentations/AzureGlobalBootcamp - MigratingSQLDatabase.pptx
+++ b/Presentations/AzureGlobalBootcamp - MigratingSQLDatabase.pptx
@@ -42,9 +42,9 @@
     <p:sldId id="1043" r:id="rId36"/>
     <p:sldId id="809" r:id="rId37"/>
     <p:sldId id="1048" r:id="rId38"/>
-    <p:sldId id="633" r:id="rId39"/>
-    <p:sldId id="635" r:id="rId40"/>
-    <p:sldId id="639" r:id="rId41"/>
+    <p:sldId id="635" r:id="rId39"/>
+    <p:sldId id="639" r:id="rId40"/>
+    <p:sldId id="633" r:id="rId41"/>
     <p:sldId id="812" r:id="rId42"/>
     <p:sldId id="816" r:id="rId43"/>
     <p:sldId id="712" r:id="rId44"/>
@@ -186,9 +186,9 @@
             <p14:sldId id="1043"/>
             <p14:sldId id="809"/>
             <p14:sldId id="1048"/>
-            <p14:sldId id="633"/>
             <p14:sldId id="635"/>
             <p14:sldId id="639"/>
+            <p14:sldId id="633"/>
           </p14:sldIdLst>
         </p14:section>
         <p14:section name="Elastic Scale" id="{F04E76DC-2F9D-4705-AF27-FBA89DC72635}">
@@ -2972,6 +2972,498 @@
       <dsp:cNvGrpSpPr/>
     </dsp:nvGrpSpPr>
     <dsp:grpSpPr/>
+    <dsp:sp modelId="{AD9EF522-A474-43A3-8895-E1B5C946DABC}">
+      <dsp:nvSpPr>
+        <dsp:cNvPr id="0" name=""/>
+        <dsp:cNvSpPr/>
+      </dsp:nvSpPr>
+      <dsp:spPr>
+        <a:xfrm>
+          <a:off x="0" y="218857"/>
+          <a:ext cx="3429334" cy="2057600"/>
+        </a:xfrm>
+        <a:prstGeom prst="rect">
+          <a:avLst/>
+        </a:prstGeom>
+        <a:solidFill>
+          <a:schemeClr val="accent2">
+            <a:hueOff val="0"/>
+            <a:satOff val="0"/>
+            <a:lumOff val="0"/>
+            <a:alphaOff val="0"/>
+          </a:schemeClr>
+        </a:solidFill>
+        <a:ln w="12700" cap="flat" cmpd="sng" algn="ctr">
+          <a:solidFill>
+            <a:schemeClr val="lt1">
+              <a:hueOff val="0"/>
+              <a:satOff val="0"/>
+              <a:lumOff val="0"/>
+              <a:alphaOff val="0"/>
+            </a:schemeClr>
+          </a:solidFill>
+          <a:prstDash val="solid"/>
+          <a:miter lim="800000"/>
+        </a:ln>
+        <a:effectLst/>
+      </dsp:spPr>
+      <dsp:style>
+        <a:lnRef idx="2">
+          <a:scrgbClr r="0" g="0" b="0"/>
+        </a:lnRef>
+        <a:fillRef idx="1">
+          <a:scrgbClr r="0" g="0" b="0"/>
+        </a:fillRef>
+        <a:effectRef idx="0">
+          <a:scrgbClr r="0" g="0" b="0"/>
+        </a:effectRef>
+        <a:fontRef idx="minor">
+          <a:schemeClr val="lt1"/>
+        </a:fontRef>
+      </dsp:style>
+      <dsp:txBody>
+        <a:bodyPr spcFirstLastPara="0" vert="horz" wrap="square" lIns="163830" tIns="163830" rIns="163830" bIns="163830" numCol="1" spcCol="1270" anchor="ctr" anchorCtr="0">
+          <a:noAutofit/>
+        </a:bodyPr>
+        <a:lstStyle/>
+        <a:p>
+          <a:pPr lvl="0" algn="ctr" defTabSz="1911350" rtl="0">
+            <a:lnSpc>
+              <a:spcPct val="90000"/>
+            </a:lnSpc>
+            <a:spcBef>
+              <a:spcPct val="0"/>
+            </a:spcBef>
+            <a:spcAft>
+              <a:spcPct val="35000"/>
+            </a:spcAft>
+          </a:pPr>
+          <a:r>
+            <a:rPr lang="en-US" sz="4300" b="0" kern="1200" dirty="0" smtClean="0">
+              <a:latin typeface="+mj-lt"/>
+            </a:rPr>
+            <a:t>SQL Database</a:t>
+          </a:r>
+          <a:endParaRPr lang="en-US" sz="4300" b="0" kern="1200" dirty="0">
+            <a:latin typeface="+mj-lt"/>
+          </a:endParaRPr>
+        </a:p>
+      </dsp:txBody>
+      <dsp:txXfrm>
+        <a:off x="0" y="218857"/>
+        <a:ext cx="3429334" cy="2057600"/>
+      </dsp:txXfrm>
+    </dsp:sp>
+    <dsp:sp modelId="{F626D2C1-E362-4EE4-A84D-3ECF9A9E587C}">
+      <dsp:nvSpPr>
+        <dsp:cNvPr id="0" name=""/>
+        <dsp:cNvSpPr/>
+      </dsp:nvSpPr>
+      <dsp:spPr>
+        <a:xfrm>
+          <a:off x="3772267" y="218857"/>
+          <a:ext cx="3429334" cy="2057600"/>
+        </a:xfrm>
+        <a:prstGeom prst="rect">
+          <a:avLst/>
+        </a:prstGeom>
+        <a:solidFill>
+          <a:schemeClr val="accent3">
+            <a:hueOff val="0"/>
+            <a:satOff val="0"/>
+            <a:lumOff val="0"/>
+            <a:alphaOff val="0"/>
+          </a:schemeClr>
+        </a:solidFill>
+        <a:ln w="12700" cap="flat" cmpd="sng" algn="ctr">
+          <a:solidFill>
+            <a:schemeClr val="lt1">
+              <a:hueOff val="0"/>
+              <a:satOff val="0"/>
+              <a:lumOff val="0"/>
+              <a:alphaOff val="0"/>
+            </a:schemeClr>
+          </a:solidFill>
+          <a:prstDash val="solid"/>
+          <a:miter lim="800000"/>
+        </a:ln>
+        <a:effectLst/>
+      </dsp:spPr>
+      <dsp:style>
+        <a:lnRef idx="2">
+          <a:scrgbClr r="0" g="0" b="0"/>
+        </a:lnRef>
+        <a:fillRef idx="1">
+          <a:scrgbClr r="0" g="0" b="0"/>
+        </a:fillRef>
+        <a:effectRef idx="0">
+          <a:scrgbClr r="0" g="0" b="0"/>
+        </a:effectRef>
+        <a:fontRef idx="minor">
+          <a:schemeClr val="lt1"/>
+        </a:fontRef>
+      </dsp:style>
+      <dsp:txBody>
+        <a:bodyPr spcFirstLastPara="0" vert="horz" wrap="square" lIns="163830" tIns="163830" rIns="163830" bIns="163830" numCol="1" spcCol="1270" anchor="ctr" anchorCtr="0">
+          <a:noAutofit/>
+        </a:bodyPr>
+        <a:lstStyle/>
+        <a:p>
+          <a:pPr lvl="0" algn="ctr" defTabSz="1911350" rtl="0">
+            <a:lnSpc>
+              <a:spcPct val="90000"/>
+            </a:lnSpc>
+            <a:spcBef>
+              <a:spcPct val="0"/>
+            </a:spcBef>
+            <a:spcAft>
+              <a:spcPct val="35000"/>
+            </a:spcAft>
+          </a:pPr>
+          <a:r>
+            <a:rPr lang="en-US" sz="4300" b="0" kern="1200" dirty="0" smtClean="0">
+              <a:latin typeface="+mj-lt"/>
+            </a:rPr>
+            <a:t>SQL Server VM</a:t>
+          </a:r>
+          <a:endParaRPr lang="en-US" sz="4300" b="0" kern="1200" dirty="0">
+            <a:latin typeface="+mj-lt"/>
+          </a:endParaRPr>
+        </a:p>
+      </dsp:txBody>
+      <dsp:txXfrm>
+        <a:off x="3772267" y="218857"/>
+        <a:ext cx="3429334" cy="2057600"/>
+      </dsp:txXfrm>
+    </dsp:sp>
+    <dsp:sp modelId="{D103E3C0-707E-4981-B759-BBF58D011072}">
+      <dsp:nvSpPr>
+        <dsp:cNvPr id="0" name=""/>
+        <dsp:cNvSpPr/>
+      </dsp:nvSpPr>
+      <dsp:spPr>
+        <a:xfrm>
+          <a:off x="7544534" y="218857"/>
+          <a:ext cx="3429334" cy="2057600"/>
+        </a:xfrm>
+        <a:prstGeom prst="rect">
+          <a:avLst/>
+        </a:prstGeom>
+        <a:solidFill>
+          <a:schemeClr val="accent4">
+            <a:hueOff val="0"/>
+            <a:satOff val="0"/>
+            <a:lumOff val="0"/>
+            <a:alphaOff val="0"/>
+          </a:schemeClr>
+        </a:solidFill>
+        <a:ln w="12700" cap="flat" cmpd="sng" algn="ctr">
+          <a:solidFill>
+            <a:schemeClr val="lt1">
+              <a:hueOff val="0"/>
+              <a:satOff val="0"/>
+              <a:lumOff val="0"/>
+              <a:alphaOff val="0"/>
+            </a:schemeClr>
+          </a:solidFill>
+          <a:prstDash val="solid"/>
+          <a:miter lim="800000"/>
+        </a:ln>
+        <a:effectLst/>
+      </dsp:spPr>
+      <dsp:style>
+        <a:lnRef idx="2">
+          <a:scrgbClr r="0" g="0" b="0"/>
+        </a:lnRef>
+        <a:fillRef idx="1">
+          <a:scrgbClr r="0" g="0" b="0"/>
+        </a:fillRef>
+        <a:effectRef idx="0">
+          <a:scrgbClr r="0" g="0" b="0"/>
+        </a:effectRef>
+        <a:fontRef idx="minor">
+          <a:schemeClr val="lt1"/>
+        </a:fontRef>
+      </dsp:style>
+      <dsp:txBody>
+        <a:bodyPr spcFirstLastPara="0" vert="horz" wrap="square" lIns="163830" tIns="163830" rIns="163830" bIns="163830" numCol="1" spcCol="1270" anchor="ctr" anchorCtr="0">
+          <a:noAutofit/>
+        </a:bodyPr>
+        <a:lstStyle/>
+        <a:p>
+          <a:pPr lvl="0" algn="ctr" defTabSz="1911350" rtl="0">
+            <a:lnSpc>
+              <a:spcPct val="90000"/>
+            </a:lnSpc>
+            <a:spcBef>
+              <a:spcPct val="0"/>
+            </a:spcBef>
+            <a:spcAft>
+              <a:spcPct val="35000"/>
+            </a:spcAft>
+          </a:pPr>
+          <a:r>
+            <a:rPr lang="en-US" sz="4300" b="0" kern="1200" noProof="0" dirty="0" smtClean="0">
+              <a:latin typeface="+mj-lt"/>
+            </a:rPr>
+            <a:t>DocumentDB</a:t>
+          </a:r>
+          <a:endParaRPr lang="en-US" sz="4300" b="0" kern="1200" noProof="0" dirty="0">
+            <a:latin typeface="+mj-lt"/>
+          </a:endParaRPr>
+        </a:p>
+      </dsp:txBody>
+      <dsp:txXfrm>
+        <a:off x="7544534" y="218857"/>
+        <a:ext cx="3429334" cy="2057600"/>
+      </dsp:txXfrm>
+    </dsp:sp>
+    <dsp:sp modelId="{D38C2A64-A10E-4419-8CC2-7C9DBC741F60}">
+      <dsp:nvSpPr>
+        <dsp:cNvPr id="0" name=""/>
+        <dsp:cNvSpPr/>
+      </dsp:nvSpPr>
+      <dsp:spPr>
+        <a:xfrm>
+          <a:off x="0" y="2619391"/>
+          <a:ext cx="3429334" cy="2057600"/>
+        </a:xfrm>
+        <a:prstGeom prst="rect">
+          <a:avLst/>
+        </a:prstGeom>
+        <a:solidFill>
+          <a:schemeClr val="accent5">
+            <a:hueOff val="0"/>
+            <a:satOff val="0"/>
+            <a:lumOff val="0"/>
+            <a:alphaOff val="0"/>
+          </a:schemeClr>
+        </a:solidFill>
+        <a:ln w="12700" cap="flat" cmpd="sng" algn="ctr">
+          <a:solidFill>
+            <a:schemeClr val="lt1">
+              <a:hueOff val="0"/>
+              <a:satOff val="0"/>
+              <a:lumOff val="0"/>
+              <a:alphaOff val="0"/>
+            </a:schemeClr>
+          </a:solidFill>
+          <a:prstDash val="solid"/>
+          <a:miter lim="800000"/>
+        </a:ln>
+        <a:effectLst/>
+      </dsp:spPr>
+      <dsp:style>
+        <a:lnRef idx="2">
+          <a:scrgbClr r="0" g="0" b="0"/>
+        </a:lnRef>
+        <a:fillRef idx="1">
+          <a:scrgbClr r="0" g="0" b="0"/>
+        </a:fillRef>
+        <a:effectRef idx="0">
+          <a:scrgbClr r="0" g="0" b="0"/>
+        </a:effectRef>
+        <a:fontRef idx="minor">
+          <a:schemeClr val="lt1"/>
+        </a:fontRef>
+      </dsp:style>
+      <dsp:txBody>
+        <a:bodyPr spcFirstLastPara="0" vert="horz" wrap="square" lIns="163830" tIns="163830" rIns="163830" bIns="163830" numCol="1" spcCol="1270" anchor="ctr" anchorCtr="0">
+          <a:noAutofit/>
+        </a:bodyPr>
+        <a:lstStyle/>
+        <a:p>
+          <a:pPr lvl="0" algn="ctr" defTabSz="1911350" rtl="0">
+            <a:lnSpc>
+              <a:spcPct val="90000"/>
+            </a:lnSpc>
+            <a:spcBef>
+              <a:spcPct val="0"/>
+            </a:spcBef>
+            <a:spcAft>
+              <a:spcPct val="35000"/>
+            </a:spcAft>
+          </a:pPr>
+          <a:r>
+            <a:rPr lang="en-US" sz="4300" b="0" kern="1200" noProof="0" dirty="0" smtClean="0">
+              <a:latin typeface="+mj-lt"/>
+            </a:rPr>
+            <a:t>Search</a:t>
+          </a:r>
+          <a:endParaRPr lang="en-US" sz="4300" b="0" kern="1200" noProof="0" dirty="0">
+            <a:latin typeface="+mj-lt"/>
+          </a:endParaRPr>
+        </a:p>
+      </dsp:txBody>
+      <dsp:txXfrm>
+        <a:off x="0" y="2619391"/>
+        <a:ext cx="3429334" cy="2057600"/>
+      </dsp:txXfrm>
+    </dsp:sp>
+    <dsp:sp modelId="{B3D60F83-A71F-4664-B2E0-FDAF1E1F667A}">
+      <dsp:nvSpPr>
+        <dsp:cNvPr id="0" name=""/>
+        <dsp:cNvSpPr/>
+      </dsp:nvSpPr>
+      <dsp:spPr>
+        <a:xfrm>
+          <a:off x="3772267" y="2619391"/>
+          <a:ext cx="3429334" cy="2057600"/>
+        </a:xfrm>
+        <a:prstGeom prst="rect">
+          <a:avLst/>
+        </a:prstGeom>
+        <a:solidFill>
+          <a:schemeClr val="accent6">
+            <a:hueOff val="0"/>
+            <a:satOff val="0"/>
+            <a:lumOff val="0"/>
+            <a:alphaOff val="0"/>
+          </a:schemeClr>
+        </a:solidFill>
+        <a:ln w="12700" cap="flat" cmpd="sng" algn="ctr">
+          <a:solidFill>
+            <a:schemeClr val="lt1">
+              <a:hueOff val="0"/>
+              <a:satOff val="0"/>
+              <a:lumOff val="0"/>
+              <a:alphaOff val="0"/>
+            </a:schemeClr>
+          </a:solidFill>
+          <a:prstDash val="solid"/>
+          <a:miter lim="800000"/>
+        </a:ln>
+        <a:effectLst/>
+      </dsp:spPr>
+      <dsp:style>
+        <a:lnRef idx="2">
+          <a:scrgbClr r="0" g="0" b="0"/>
+        </a:lnRef>
+        <a:fillRef idx="1">
+          <a:scrgbClr r="0" g="0" b="0"/>
+        </a:fillRef>
+        <a:effectRef idx="0">
+          <a:scrgbClr r="0" g="0" b="0"/>
+        </a:effectRef>
+        <a:fontRef idx="minor">
+          <a:schemeClr val="lt1"/>
+        </a:fontRef>
+      </dsp:style>
+      <dsp:txBody>
+        <a:bodyPr spcFirstLastPara="0" vert="horz" wrap="square" lIns="163830" tIns="163830" rIns="163830" bIns="163830" numCol="1" spcCol="1270" anchor="ctr" anchorCtr="0">
+          <a:noAutofit/>
+        </a:bodyPr>
+        <a:lstStyle/>
+        <a:p>
+          <a:pPr lvl="0" algn="ctr" defTabSz="1911350" rtl="0">
+            <a:lnSpc>
+              <a:spcPct val="90000"/>
+            </a:lnSpc>
+            <a:spcBef>
+              <a:spcPct val="0"/>
+            </a:spcBef>
+            <a:spcAft>
+              <a:spcPct val="35000"/>
+            </a:spcAft>
+          </a:pPr>
+          <a:r>
+            <a:rPr lang="en-US" sz="4300" b="0" kern="1200" noProof="0" dirty="0" err="1" smtClean="0">
+              <a:latin typeface="+mj-lt"/>
+            </a:rPr>
+            <a:t>HDInsight</a:t>
+          </a:r>
+          <a:endParaRPr lang="en-US" sz="4300" b="0" kern="1200" noProof="0" dirty="0">
+            <a:latin typeface="+mj-lt"/>
+          </a:endParaRPr>
+        </a:p>
+      </dsp:txBody>
+      <dsp:txXfrm>
+        <a:off x="3772267" y="2619391"/>
+        <a:ext cx="3429334" cy="2057600"/>
+      </dsp:txXfrm>
+    </dsp:sp>
+    <dsp:sp modelId="{B2BFB56C-67A7-452B-802F-5F7E827C13F9}">
+      <dsp:nvSpPr>
+        <dsp:cNvPr id="0" name=""/>
+        <dsp:cNvSpPr/>
+      </dsp:nvSpPr>
+      <dsp:spPr>
+        <a:xfrm>
+          <a:off x="7544534" y="2619391"/>
+          <a:ext cx="3429334" cy="2057600"/>
+        </a:xfrm>
+        <a:prstGeom prst="rect">
+          <a:avLst/>
+        </a:prstGeom>
+        <a:solidFill>
+          <a:schemeClr val="accent2">
+            <a:hueOff val="0"/>
+            <a:satOff val="0"/>
+            <a:lumOff val="0"/>
+            <a:alphaOff val="0"/>
+          </a:schemeClr>
+        </a:solidFill>
+        <a:ln w="12700" cap="flat" cmpd="sng" algn="ctr">
+          <a:solidFill>
+            <a:schemeClr val="lt1">
+              <a:hueOff val="0"/>
+              <a:satOff val="0"/>
+              <a:lumOff val="0"/>
+              <a:alphaOff val="0"/>
+            </a:schemeClr>
+          </a:solidFill>
+          <a:prstDash val="solid"/>
+          <a:miter lim="800000"/>
+        </a:ln>
+        <a:effectLst/>
+      </dsp:spPr>
+      <dsp:style>
+        <a:lnRef idx="2">
+          <a:scrgbClr r="0" g="0" b="0"/>
+        </a:lnRef>
+        <a:fillRef idx="1">
+          <a:scrgbClr r="0" g="0" b="0"/>
+        </a:fillRef>
+        <a:effectRef idx="0">
+          <a:scrgbClr r="0" g="0" b="0"/>
+        </a:effectRef>
+        <a:fontRef idx="minor">
+          <a:schemeClr val="lt1"/>
+        </a:fontRef>
+      </dsp:style>
+      <dsp:txBody>
+        <a:bodyPr spcFirstLastPara="0" vert="horz" wrap="square" lIns="163830" tIns="163830" rIns="163830" bIns="163830" numCol="1" spcCol="1270" anchor="ctr" anchorCtr="0">
+          <a:noAutofit/>
+        </a:bodyPr>
+        <a:lstStyle/>
+        <a:p>
+          <a:pPr lvl="0" algn="ctr" defTabSz="1911350" rtl="0">
+            <a:lnSpc>
+              <a:spcPct val="90000"/>
+            </a:lnSpc>
+            <a:spcBef>
+              <a:spcPct val="0"/>
+            </a:spcBef>
+            <a:spcAft>
+              <a:spcPct val="35000"/>
+            </a:spcAft>
+          </a:pPr>
+          <a:r>
+            <a:rPr lang="en-US" sz="4300" b="0" kern="1200" noProof="0" dirty="0" smtClean="0">
+              <a:latin typeface="+mj-lt"/>
+            </a:rPr>
+            <a:t>Additional databases</a:t>
+          </a:r>
+          <a:endParaRPr lang="en-US" sz="4300" b="0" kern="1200" noProof="0" dirty="0">
+            <a:latin typeface="+mj-lt"/>
+          </a:endParaRPr>
+        </a:p>
+      </dsp:txBody>
+      <dsp:txXfrm>
+        <a:off x="7544534" y="2619391"/>
+        <a:ext cx="3429334" cy="2057600"/>
+      </dsp:txXfrm>
+    </dsp:sp>
   </dsp:spTree>
 </dsp:drawing>
 </file>
@@ -2984,6 +3476,534 @@
       <dsp:cNvGrpSpPr/>
     </dsp:nvGrpSpPr>
     <dsp:grpSpPr/>
+    <dsp:sp modelId="{AD9EF522-A474-43A3-8895-E1B5C946DABC}">
+      <dsp:nvSpPr>
+        <dsp:cNvPr id="0" name=""/>
+        <dsp:cNvSpPr/>
+      </dsp:nvSpPr>
+      <dsp:spPr>
+        <a:xfrm>
+          <a:off x="0" y="218857"/>
+          <a:ext cx="3429334" cy="2057600"/>
+        </a:xfrm>
+        <a:prstGeom prst="rect">
+          <a:avLst/>
+        </a:prstGeom>
+        <a:solidFill>
+          <a:schemeClr val="accent2">
+            <a:hueOff val="0"/>
+            <a:satOff val="0"/>
+            <a:lumOff val="0"/>
+            <a:alphaOff val="0"/>
+          </a:schemeClr>
+        </a:solidFill>
+        <a:ln w="12700" cap="flat" cmpd="sng" algn="ctr">
+          <a:solidFill>
+            <a:schemeClr val="lt1">
+              <a:hueOff val="0"/>
+              <a:satOff val="0"/>
+              <a:lumOff val="0"/>
+              <a:alphaOff val="0"/>
+            </a:schemeClr>
+          </a:solidFill>
+          <a:prstDash val="solid"/>
+          <a:miter lim="800000"/>
+        </a:ln>
+        <a:effectLst/>
+      </dsp:spPr>
+      <dsp:style>
+        <a:lnRef idx="2">
+          <a:scrgbClr r="0" g="0" b="0"/>
+        </a:lnRef>
+        <a:fillRef idx="1">
+          <a:scrgbClr r="0" g="0" b="0"/>
+        </a:fillRef>
+        <a:effectRef idx="0">
+          <a:scrgbClr r="0" g="0" b="0"/>
+        </a:effectRef>
+        <a:fontRef idx="minor">
+          <a:schemeClr val="lt1"/>
+        </a:fontRef>
+      </dsp:style>
+      <dsp:txBody>
+        <a:bodyPr spcFirstLastPara="0" vert="horz" wrap="square" lIns="118110" tIns="118110" rIns="118110" bIns="118110" numCol="1" spcCol="1270" anchor="ctr" anchorCtr="0">
+          <a:noAutofit/>
+        </a:bodyPr>
+        <a:lstStyle/>
+        <a:p>
+          <a:pPr lvl="0" algn="ctr" defTabSz="1377950" rtl="0">
+            <a:lnSpc>
+              <a:spcPct val="90000"/>
+            </a:lnSpc>
+            <a:spcBef>
+              <a:spcPct val="0"/>
+            </a:spcBef>
+            <a:spcAft>
+              <a:spcPct val="35000"/>
+            </a:spcAft>
+          </a:pPr>
+          <a:r>
+            <a:rPr lang="en-US" sz="3100" b="0" kern="1200" dirty="0" smtClean="0">
+              <a:latin typeface="+mj-lt"/>
+            </a:rPr>
+            <a:t>SQL Database</a:t>
+          </a:r>
+          <a:endParaRPr lang="en-US" sz="3100" b="0" kern="1200" dirty="0">
+            <a:latin typeface="+mj-lt"/>
+          </a:endParaRPr>
+        </a:p>
+      </dsp:txBody>
+      <dsp:txXfrm>
+        <a:off x="0" y="218857"/>
+        <a:ext cx="3429334" cy="2057600"/>
+      </dsp:txXfrm>
+    </dsp:sp>
+    <dsp:sp modelId="{F626D2C1-E362-4EE4-A84D-3ECF9A9E587C}">
+      <dsp:nvSpPr>
+        <dsp:cNvPr id="0" name=""/>
+        <dsp:cNvSpPr/>
+      </dsp:nvSpPr>
+      <dsp:spPr>
+        <a:xfrm>
+          <a:off x="3772267" y="218857"/>
+          <a:ext cx="3429334" cy="2057600"/>
+        </a:xfrm>
+        <a:prstGeom prst="rect">
+          <a:avLst/>
+        </a:prstGeom>
+        <a:solidFill>
+          <a:schemeClr val="accent3">
+            <a:hueOff val="0"/>
+            <a:satOff val="0"/>
+            <a:lumOff val="0"/>
+            <a:alphaOff val="0"/>
+          </a:schemeClr>
+        </a:solidFill>
+        <a:ln w="12700" cap="flat" cmpd="sng" algn="ctr">
+          <a:solidFill>
+            <a:schemeClr val="lt1">
+              <a:hueOff val="0"/>
+              <a:satOff val="0"/>
+              <a:lumOff val="0"/>
+              <a:alphaOff val="0"/>
+            </a:schemeClr>
+          </a:solidFill>
+          <a:prstDash val="solid"/>
+          <a:miter lim="800000"/>
+        </a:ln>
+        <a:effectLst/>
+      </dsp:spPr>
+      <dsp:style>
+        <a:lnRef idx="2">
+          <a:scrgbClr r="0" g="0" b="0"/>
+        </a:lnRef>
+        <a:fillRef idx="1">
+          <a:scrgbClr r="0" g="0" b="0"/>
+        </a:fillRef>
+        <a:effectRef idx="0">
+          <a:scrgbClr r="0" g="0" b="0"/>
+        </a:effectRef>
+        <a:fontRef idx="minor">
+          <a:schemeClr val="lt1"/>
+        </a:fontRef>
+      </dsp:style>
+      <dsp:txBody>
+        <a:bodyPr spcFirstLastPara="0" vert="horz" wrap="square" lIns="118110" tIns="118110" rIns="118110" bIns="118110" numCol="1" spcCol="1270" anchor="ctr" anchorCtr="0">
+          <a:noAutofit/>
+        </a:bodyPr>
+        <a:lstStyle/>
+        <a:p>
+          <a:pPr lvl="0" algn="ctr" defTabSz="1377950" rtl="0">
+            <a:lnSpc>
+              <a:spcPct val="90000"/>
+            </a:lnSpc>
+            <a:spcBef>
+              <a:spcPct val="0"/>
+            </a:spcBef>
+            <a:spcAft>
+              <a:spcPct val="35000"/>
+            </a:spcAft>
+          </a:pPr>
+          <a:r>
+            <a:rPr lang="en-US" sz="3100" b="0" kern="1200" dirty="0" smtClean="0">
+              <a:latin typeface="+mj-lt"/>
+            </a:rPr>
+            <a:t>SQL on IaaS</a:t>
+          </a:r>
+          <a:endParaRPr lang="en-US" sz="3100" b="0" kern="1200" dirty="0">
+            <a:latin typeface="+mj-lt"/>
+          </a:endParaRPr>
+        </a:p>
+      </dsp:txBody>
+      <dsp:txXfrm>
+        <a:off x="3772267" y="218857"/>
+        <a:ext cx="3429334" cy="2057600"/>
+      </dsp:txXfrm>
+    </dsp:sp>
+    <dsp:sp modelId="{D103E3C0-707E-4981-B759-BBF58D011072}">
+      <dsp:nvSpPr>
+        <dsp:cNvPr id="0" name=""/>
+        <dsp:cNvSpPr/>
+      </dsp:nvSpPr>
+      <dsp:spPr>
+        <a:xfrm>
+          <a:off x="7544534" y="218857"/>
+          <a:ext cx="3429334" cy="2057600"/>
+        </a:xfrm>
+        <a:prstGeom prst="rect">
+          <a:avLst/>
+        </a:prstGeom>
+        <a:solidFill>
+          <a:schemeClr val="accent4">
+            <a:hueOff val="0"/>
+            <a:satOff val="0"/>
+            <a:lumOff val="0"/>
+            <a:alphaOff val="0"/>
+          </a:schemeClr>
+        </a:solidFill>
+        <a:ln w="12700" cap="flat" cmpd="sng" algn="ctr">
+          <a:solidFill>
+            <a:schemeClr val="lt1">
+              <a:hueOff val="0"/>
+              <a:satOff val="0"/>
+              <a:lumOff val="0"/>
+              <a:alphaOff val="0"/>
+            </a:schemeClr>
+          </a:solidFill>
+          <a:prstDash val="solid"/>
+          <a:miter lim="800000"/>
+        </a:ln>
+        <a:effectLst/>
+      </dsp:spPr>
+      <dsp:style>
+        <a:lnRef idx="2">
+          <a:scrgbClr r="0" g="0" b="0"/>
+        </a:lnRef>
+        <a:fillRef idx="1">
+          <a:scrgbClr r="0" g="0" b="0"/>
+        </a:fillRef>
+        <a:effectRef idx="0">
+          <a:scrgbClr r="0" g="0" b="0"/>
+        </a:effectRef>
+        <a:fontRef idx="minor">
+          <a:schemeClr val="lt1"/>
+        </a:fontRef>
+      </dsp:style>
+      <dsp:txBody>
+        <a:bodyPr spcFirstLastPara="0" vert="horz" wrap="square" lIns="118110" tIns="118110" rIns="118110" bIns="118110" numCol="1" spcCol="1270" anchor="ctr" anchorCtr="0">
+          <a:noAutofit/>
+        </a:bodyPr>
+        <a:lstStyle/>
+        <a:p>
+          <a:pPr lvl="0" algn="ctr" defTabSz="1377950" rtl="0">
+            <a:lnSpc>
+              <a:spcPct val="90000"/>
+            </a:lnSpc>
+            <a:spcBef>
+              <a:spcPct val="0"/>
+            </a:spcBef>
+            <a:spcAft>
+              <a:spcPct val="35000"/>
+            </a:spcAft>
+          </a:pPr>
+          <a:r>
+            <a:rPr lang="en-US" sz="3100" b="0" kern="1200" noProof="0" dirty="0" smtClean="0">
+              <a:latin typeface="+mj-lt"/>
+            </a:rPr>
+            <a:t>DocumentDB</a:t>
+          </a:r>
+          <a:endParaRPr lang="en-US" sz="3100" b="0" kern="1200" noProof="0" dirty="0">
+            <a:latin typeface="+mj-lt"/>
+          </a:endParaRPr>
+        </a:p>
+      </dsp:txBody>
+      <dsp:txXfrm>
+        <a:off x="7544534" y="218857"/>
+        <a:ext cx="3429334" cy="2057600"/>
+      </dsp:txXfrm>
+    </dsp:sp>
+    <dsp:sp modelId="{D38C2A64-A10E-4419-8CC2-7C9DBC741F60}">
+      <dsp:nvSpPr>
+        <dsp:cNvPr id="0" name=""/>
+        <dsp:cNvSpPr/>
+      </dsp:nvSpPr>
+      <dsp:spPr>
+        <a:xfrm>
+          <a:off x="0" y="2619391"/>
+          <a:ext cx="3429334" cy="2057600"/>
+        </a:xfrm>
+        <a:prstGeom prst="rect">
+          <a:avLst/>
+        </a:prstGeom>
+        <a:solidFill>
+          <a:schemeClr val="accent5">
+            <a:hueOff val="0"/>
+            <a:satOff val="0"/>
+            <a:lumOff val="0"/>
+            <a:alphaOff val="0"/>
+          </a:schemeClr>
+        </a:solidFill>
+        <a:ln w="12700" cap="flat" cmpd="sng" algn="ctr">
+          <a:solidFill>
+            <a:schemeClr val="lt1">
+              <a:hueOff val="0"/>
+              <a:satOff val="0"/>
+              <a:lumOff val="0"/>
+              <a:alphaOff val="0"/>
+            </a:schemeClr>
+          </a:solidFill>
+          <a:prstDash val="solid"/>
+          <a:miter lim="800000"/>
+        </a:ln>
+        <a:effectLst/>
+      </dsp:spPr>
+      <dsp:style>
+        <a:lnRef idx="2">
+          <a:scrgbClr r="0" g="0" b="0"/>
+        </a:lnRef>
+        <a:fillRef idx="1">
+          <a:scrgbClr r="0" g="0" b="0"/>
+        </a:fillRef>
+        <a:effectRef idx="0">
+          <a:scrgbClr r="0" g="0" b="0"/>
+        </a:effectRef>
+        <a:fontRef idx="minor">
+          <a:schemeClr val="lt1"/>
+        </a:fontRef>
+      </dsp:style>
+      <dsp:txBody>
+        <a:bodyPr spcFirstLastPara="0" vert="horz" wrap="square" lIns="118110" tIns="118110" rIns="118110" bIns="118110" numCol="1" spcCol="1270" anchor="ctr" anchorCtr="0">
+          <a:noAutofit/>
+        </a:bodyPr>
+        <a:lstStyle/>
+        <a:p>
+          <a:pPr lvl="0" algn="ctr" defTabSz="1377950" rtl="0">
+            <a:lnSpc>
+              <a:spcPct val="90000"/>
+            </a:lnSpc>
+            <a:spcBef>
+              <a:spcPct val="0"/>
+            </a:spcBef>
+            <a:spcAft>
+              <a:spcPct val="35000"/>
+            </a:spcAft>
+          </a:pPr>
+          <a:r>
+            <a:rPr lang="en-US" sz="3100" b="0" kern="1200" noProof="0" dirty="0" smtClean="0">
+              <a:latin typeface="+mj-lt"/>
+            </a:rPr>
+            <a:t>Search</a:t>
+          </a:r>
+          <a:endParaRPr lang="en-US" sz="3100" b="0" kern="1200" noProof="0" dirty="0">
+            <a:latin typeface="+mj-lt"/>
+          </a:endParaRPr>
+        </a:p>
+      </dsp:txBody>
+      <dsp:txXfrm>
+        <a:off x="0" y="2619391"/>
+        <a:ext cx="3429334" cy="2057600"/>
+      </dsp:txXfrm>
+    </dsp:sp>
+    <dsp:sp modelId="{B3D60F83-A71F-4664-B2E0-FDAF1E1F667A}">
+      <dsp:nvSpPr>
+        <dsp:cNvPr id="0" name=""/>
+        <dsp:cNvSpPr/>
+      </dsp:nvSpPr>
+      <dsp:spPr>
+        <a:xfrm>
+          <a:off x="3772267" y="2619391"/>
+          <a:ext cx="3429334" cy="2057600"/>
+        </a:xfrm>
+        <a:prstGeom prst="rect">
+          <a:avLst/>
+        </a:prstGeom>
+        <a:solidFill>
+          <a:schemeClr val="accent6">
+            <a:hueOff val="0"/>
+            <a:satOff val="0"/>
+            <a:lumOff val="0"/>
+            <a:alphaOff val="0"/>
+          </a:schemeClr>
+        </a:solidFill>
+        <a:ln w="12700" cap="flat" cmpd="sng" algn="ctr">
+          <a:solidFill>
+            <a:schemeClr val="lt1">
+              <a:hueOff val="0"/>
+              <a:satOff val="0"/>
+              <a:lumOff val="0"/>
+              <a:alphaOff val="0"/>
+            </a:schemeClr>
+          </a:solidFill>
+          <a:prstDash val="solid"/>
+          <a:miter lim="800000"/>
+        </a:ln>
+        <a:effectLst/>
+      </dsp:spPr>
+      <dsp:style>
+        <a:lnRef idx="2">
+          <a:scrgbClr r="0" g="0" b="0"/>
+        </a:lnRef>
+        <a:fillRef idx="1">
+          <a:scrgbClr r="0" g="0" b="0"/>
+        </a:fillRef>
+        <a:effectRef idx="0">
+          <a:scrgbClr r="0" g="0" b="0"/>
+        </a:effectRef>
+        <a:fontRef idx="minor">
+          <a:schemeClr val="lt1"/>
+        </a:fontRef>
+      </dsp:style>
+      <dsp:txBody>
+        <a:bodyPr spcFirstLastPara="0" vert="horz" wrap="square" lIns="118110" tIns="118110" rIns="118110" bIns="118110" numCol="1" spcCol="1270" anchor="ctr" anchorCtr="0">
+          <a:noAutofit/>
+        </a:bodyPr>
+        <a:lstStyle/>
+        <a:p>
+          <a:pPr lvl="0" algn="ctr" defTabSz="1377950" rtl="0">
+            <a:lnSpc>
+              <a:spcPct val="90000"/>
+            </a:lnSpc>
+            <a:spcBef>
+              <a:spcPct val="0"/>
+            </a:spcBef>
+            <a:spcAft>
+              <a:spcPct val="35000"/>
+            </a:spcAft>
+          </a:pPr>
+          <a:r>
+            <a:rPr lang="en-US" sz="3100" b="0" kern="1200" noProof="0" dirty="0" err="1" smtClean="0">
+              <a:latin typeface="+mj-lt"/>
+            </a:rPr>
+            <a:t>HDInsight</a:t>
+          </a:r>
+          <a:endParaRPr lang="en-US" sz="3100" b="0" kern="1200" noProof="0" dirty="0">
+            <a:latin typeface="+mj-lt"/>
+          </a:endParaRPr>
+        </a:p>
+      </dsp:txBody>
+      <dsp:txXfrm>
+        <a:off x="3772267" y="2619391"/>
+        <a:ext cx="3429334" cy="2057600"/>
+      </dsp:txXfrm>
+    </dsp:sp>
+    <dsp:sp modelId="{B2BFB56C-67A7-452B-802F-5F7E827C13F9}">
+      <dsp:nvSpPr>
+        <dsp:cNvPr id="0" name=""/>
+        <dsp:cNvSpPr/>
+      </dsp:nvSpPr>
+      <dsp:spPr>
+        <a:xfrm>
+          <a:off x="7544534" y="2619391"/>
+          <a:ext cx="3429334" cy="2057600"/>
+        </a:xfrm>
+        <a:prstGeom prst="rect">
+          <a:avLst/>
+        </a:prstGeom>
+        <a:solidFill>
+          <a:schemeClr val="accent2">
+            <a:hueOff val="0"/>
+            <a:satOff val="0"/>
+            <a:lumOff val="0"/>
+            <a:alphaOff val="0"/>
+          </a:schemeClr>
+        </a:solidFill>
+        <a:ln w="12700" cap="flat" cmpd="sng" algn="ctr">
+          <a:solidFill>
+            <a:schemeClr val="lt1">
+              <a:hueOff val="0"/>
+              <a:satOff val="0"/>
+              <a:lumOff val="0"/>
+              <a:alphaOff val="0"/>
+            </a:schemeClr>
+          </a:solidFill>
+          <a:prstDash val="solid"/>
+          <a:miter lim="800000"/>
+        </a:ln>
+        <a:effectLst/>
+      </dsp:spPr>
+      <dsp:style>
+        <a:lnRef idx="2">
+          <a:scrgbClr r="0" g="0" b="0"/>
+        </a:lnRef>
+        <a:fillRef idx="1">
+          <a:scrgbClr r="0" g="0" b="0"/>
+        </a:fillRef>
+        <a:effectRef idx="0">
+          <a:scrgbClr r="0" g="0" b="0"/>
+        </a:effectRef>
+        <a:fontRef idx="minor">
+          <a:schemeClr val="lt1"/>
+        </a:fontRef>
+      </dsp:style>
+      <dsp:txBody>
+        <a:bodyPr spcFirstLastPara="0" vert="horz" wrap="square" lIns="118110" tIns="118110" rIns="118110" bIns="118110" numCol="1" spcCol="1270" anchor="ctr" anchorCtr="0">
+          <a:noAutofit/>
+        </a:bodyPr>
+        <a:lstStyle/>
+        <a:p>
+          <a:pPr lvl="0" algn="ctr" defTabSz="1377950" rtl="0">
+            <a:lnSpc>
+              <a:spcPct val="90000"/>
+            </a:lnSpc>
+            <a:spcBef>
+              <a:spcPct val="0"/>
+            </a:spcBef>
+            <a:spcAft>
+              <a:spcPct val="35000"/>
+            </a:spcAft>
+          </a:pPr>
+          <a:r>
+            <a:rPr lang="sv-SE" sz="3100" b="0" kern="1200" noProof="0" dirty="0" err="1" smtClean="0">
+              <a:latin typeface="+mj-lt"/>
+            </a:rPr>
+            <a:t>MongoDB</a:t>
+          </a:r>
+          <a:r>
+            <a:rPr lang="sv-SE" sz="3100" b="0" kern="1200" noProof="0" dirty="0" smtClean="0">
+              <a:latin typeface="+mj-lt"/>
+            </a:rPr>
+            <a:t>, </a:t>
+          </a:r>
+          <a:r>
+            <a:rPr lang="sv-SE" sz="3100" b="0" kern="1200" noProof="0" dirty="0" err="1" smtClean="0">
+              <a:latin typeface="+mj-lt"/>
+            </a:rPr>
+            <a:t>MySQL</a:t>
+          </a:r>
+          <a:r>
+            <a:rPr lang="sv-SE" sz="3100" b="0" kern="1200" noProof="0" dirty="0" smtClean="0">
+              <a:latin typeface="+mj-lt"/>
+            </a:rPr>
+            <a:t>, Oracle, </a:t>
+          </a:r>
+          <a:r>
+            <a:rPr lang="en-US" sz="3100" b="0" kern="1200" dirty="0" smtClean="0">
+              <a:latin typeface="+mj-lt"/>
+            </a:rPr>
+            <a:t>Cassandra</a:t>
+          </a:r>
+          <a:r>
+            <a:rPr lang="sv-SE" sz="3100" b="0" kern="1200" noProof="0" dirty="0" smtClean="0">
+              <a:latin typeface="+mj-lt"/>
+            </a:rPr>
+            <a:t>, Neo4j and </a:t>
+          </a:r>
+          <a:r>
+            <a:rPr lang="sv-SE" sz="3100" b="0" kern="1200" noProof="0" dirty="0" err="1" smtClean="0">
+              <a:latin typeface="+mj-lt"/>
+            </a:rPr>
+            <a:t>more</a:t>
+          </a:r>
+          <a:endParaRPr lang="en-US" sz="3100" b="0" kern="1200" noProof="0" dirty="0">
+            <a:latin typeface="+mj-lt"/>
+          </a:endParaRPr>
+        </a:p>
+      </dsp:txBody>
+      <dsp:txXfrm>
+        <a:off x="7544534" y="2619391"/>
+        <a:ext cx="3429334" cy="2057600"/>
+      </dsp:txXfrm>
+    </dsp:sp>
   </dsp:spTree>
 </dsp:drawing>
 </file>
@@ -5432,7 +6452,7 @@
           <a:p>
             <a:fld id="{9EB326D8-4C38-4835-91AB-B79CDC0B07B3}" type="datetimeFigureOut">
               <a:rPr lang="en-US" smtClean="0"/>
-              <a:t>4/24/2015</a:t>
+              <a:t>4/25/2015</a:t>
             </a:fld>
             <a:endParaRPr lang="en-US"/>
           </a:p>
@@ -5908,7 +6928,7 @@
                 </a:solidFill>
               </a:rPr>
               <a:pPr/>
-              <a:t>4/24/2015</a:t>
+              <a:t>4/25/2015</a:t>
             </a:fld>
             <a:endParaRPr lang="en-US" dirty="0">
               <a:solidFill>
@@ -8722,11 +9742,295 @@
           <a:bodyPr/>
           <a:lstStyle/>
           <a:p>
+            <a:pPr rtl="0"/>
+            <a:r>
+              <a:rPr lang="en-US" b="1" dirty="0" smtClean="0">
+                <a:effectLst/>
+                <a:latin typeface="Segoe UI" panose="020B0502040204020203" pitchFamily="34" charset="0"/>
+              </a:rPr>
+              <a:t>Slide Objectives:</a:t>
+            </a:r>
+            <a:endParaRPr lang="en-US" dirty="0" smtClean="0">
+              <a:effectLst/>
+            </a:endParaRPr>
+          </a:p>
+          <a:p>
+            <a:pPr rtl="0"/>
+            <a:r>
+              <a:rPr lang="en-US" dirty="0" smtClean="0">
+                <a:effectLst/>
+                <a:latin typeface="Segoe UI" panose="020B0502040204020203" pitchFamily="34" charset="0"/>
+              </a:rPr>
+              <a:t>Point</a:t>
+            </a:r>
+            <a:r>
+              <a:rPr lang="en-US" baseline="0" dirty="0" smtClean="0">
+                <a:effectLst/>
+                <a:latin typeface="Segoe UI" panose="020B0502040204020203" pitchFamily="34" charset="0"/>
+              </a:rPr>
+              <a:t> out that 1) The same great technologies that developers use today on-premises works with SQL Database 2) high-level differences between on-premises and SQL Database 3) SQL Database features currently unsupported</a:t>
+            </a:r>
+            <a:endParaRPr lang="en-US" dirty="0" smtClean="0">
+              <a:effectLst/>
+            </a:endParaRPr>
+          </a:p>
+          <a:p>
+            <a:pPr rtl="0"/>
+            <a:r>
+              <a:rPr lang="en-US" b="1" dirty="0" smtClean="0">
+                <a:effectLst/>
+                <a:latin typeface="Segoe UI" panose="020B0502040204020203" pitchFamily="34" charset="0"/>
+              </a:rPr>
+              <a:t>Transition:</a:t>
+            </a:r>
+            <a:endParaRPr lang="en-US" dirty="0" smtClean="0">
+              <a:effectLst/>
+            </a:endParaRPr>
+          </a:p>
+          <a:p>
+            <a:pPr rtl="0"/>
+            <a:r>
+              <a:rPr lang="en-US" dirty="0" smtClean="0">
+                <a:effectLst/>
+                <a:latin typeface="Segoe UI" panose="020B0502040204020203" pitchFamily="34" charset="0"/>
+              </a:rPr>
+              <a:t>Creating,</a:t>
+            </a:r>
+            <a:r>
+              <a:rPr lang="en-US" baseline="0" dirty="0" smtClean="0">
+                <a:effectLst/>
+                <a:latin typeface="Segoe UI" panose="020B0502040204020203" pitchFamily="34" charset="0"/>
+              </a:rPr>
+              <a:t> managing, and deploying a database in Microsoft Azure SQL Database isn’t difficult. The key is understanding the features that are supported and how SQL Database compares to on-premises SQL Server and the technologies that can be used with SQL Database.</a:t>
+            </a:r>
+            <a:endParaRPr lang="en-US" dirty="0" smtClean="0">
+              <a:effectLst/>
+            </a:endParaRPr>
+          </a:p>
+          <a:p>
+            <a:pPr rtl="0"/>
+            <a:r>
+              <a:rPr lang="en-US" b="1" dirty="0" smtClean="0">
+                <a:effectLst/>
+                <a:latin typeface="Segoe UI" panose="020B0502040204020203" pitchFamily="34" charset="0"/>
+              </a:rPr>
+              <a:t>Speaking Points:</a:t>
+            </a:r>
+            <a:endParaRPr lang="en-US" dirty="0" smtClean="0">
+              <a:effectLst/>
+            </a:endParaRPr>
+          </a:p>
+          <a:p>
+            <a:pPr rtl="0"/>
+            <a:r>
+              <a:rPr lang="en-US" baseline="0" dirty="0" smtClean="0">
+                <a:effectLst/>
+                <a:latin typeface="Segoe UI" panose="020B0502040204020203" pitchFamily="34" charset="0"/>
+              </a:rPr>
+              <a:t>The same great technologies that developers use today on-premises works with SQL Database, including developer languages, Frameworks, and Tools. </a:t>
+            </a:r>
+            <a:r>
+              <a:rPr lang="en-US" b="1" baseline="0" dirty="0" smtClean="0">
+                <a:effectLst/>
+                <a:latin typeface="Segoe UI" panose="020B0502040204020203" pitchFamily="34" charset="0"/>
+              </a:rPr>
+              <a:t>Nothing new to learn!</a:t>
+            </a:r>
+            <a:endParaRPr lang="en-US" b="1" dirty="0" smtClean="0">
+              <a:effectLst/>
+            </a:endParaRPr>
+          </a:p>
+          <a:p>
+            <a:pPr rtl="0"/>
+            <a:r>
+              <a:rPr lang="en-US" dirty="0" smtClean="0">
+                <a:effectLst/>
+                <a:latin typeface="Segoe UI" panose="020B0502040204020203" pitchFamily="34" charset="0"/>
+              </a:rPr>
+              <a:t>SQL Server Comparison</a:t>
+            </a:r>
+            <a:r>
+              <a:rPr lang="en-US" baseline="0" dirty="0" smtClean="0">
+                <a:effectLst/>
+                <a:latin typeface="Segoe UI" panose="020B0502040204020203" pitchFamily="34" charset="0"/>
+              </a:rPr>
+              <a:t> -&gt; highlight the </a:t>
+            </a:r>
+            <a:r>
+              <a:rPr lang="en-US" b="1" baseline="0" dirty="0" smtClean="0">
+                <a:effectLst/>
+                <a:latin typeface="Segoe UI" panose="020B0502040204020203" pitchFamily="34" charset="0"/>
+              </a:rPr>
+              <a:t>physical vs. logical</a:t>
+            </a:r>
+            <a:r>
+              <a:rPr lang="en-US" baseline="0" dirty="0" smtClean="0">
+                <a:effectLst/>
+                <a:latin typeface="Segoe UI" panose="020B0502040204020203" pitchFamily="34" charset="0"/>
+              </a:rPr>
+              <a:t> administration. Developers and DBAs can now focus on things they love to do and not worry about the physical aspect.</a:t>
+            </a:r>
+          </a:p>
+          <a:p>
+            <a:pPr rtl="0"/>
+            <a:r>
+              <a:rPr lang="en-US" baseline="0" dirty="0" smtClean="0">
+                <a:effectLst/>
+                <a:latin typeface="Segoe UI" panose="020B0502040204020203" pitchFamily="34" charset="0"/>
+              </a:rPr>
+              <a:t>Features unsupported by SQL Database -&gt; Many of the unsupported features are hardware based and thus don’t need to be in SQL Database. Other features, such as encryption, are server-based and become a challenge in solving in a shared-environment.</a:t>
+            </a:r>
+            <a:endParaRPr lang="en-US" dirty="0" smtClean="0">
+              <a:effectLst/>
+            </a:endParaRPr>
+          </a:p>
+          <a:p>
+            <a:pPr rtl="0"/>
+            <a:r>
+              <a:rPr lang="en-US" b="1" dirty="0" smtClean="0">
+                <a:effectLst/>
+                <a:latin typeface="Segoe UI" panose="020B0502040204020203" pitchFamily="34" charset="0"/>
+              </a:rPr>
+              <a:t>Notes:</a:t>
+            </a:r>
+            <a:endParaRPr lang="en-US" dirty="0" smtClean="0">
+              <a:effectLst/>
+            </a:endParaRPr>
+          </a:p>
+          <a:p>
+            <a:pPr rtl="0"/>
+            <a:r>
+              <a:rPr lang="en-US" dirty="0" smtClean="0">
+                <a:effectLst/>
+              </a:rPr>
+              <a:t>CLR data</a:t>
+            </a:r>
+            <a:r>
+              <a:rPr lang="en-US" baseline="0" dirty="0" smtClean="0">
+                <a:effectLst/>
+              </a:rPr>
+              <a:t> types ARE supported, SQLCLR is not yet supported. </a:t>
+            </a:r>
+          </a:p>
+          <a:p>
+            <a:pPr marL="0" marR="0" indent="0" algn="l" defTabSz="914363" rtl="0" eaLnBrk="1" fontAlgn="auto" latinLnBrk="0" hangingPunct="1">
+              <a:lnSpc>
+                <a:spcPct val="90000"/>
+              </a:lnSpc>
+              <a:spcBef>
+                <a:spcPts val="0"/>
+              </a:spcBef>
+              <a:spcAft>
+                <a:spcPts val="333"/>
+              </a:spcAft>
+              <a:buClrTx/>
+              <a:buSzTx/>
+              <a:buFontTx/>
+              <a:buNone/>
+              <a:tabLst/>
+              <a:defRPr/>
+            </a:pPr>
             <a:r>
               <a:rPr lang="en-US" dirty="0" smtClean="0"/>
-              <a:t>Demo 2)</a:t>
-            </a:r>
-            <a:endParaRPr lang="en-US" sz="800" baseline="0" dirty="0" smtClean="0"/>
+              <a:t>Backup/Restore: PIT Coming;</a:t>
+            </a:r>
+            <a:r>
+              <a:rPr lang="en-US" baseline="0" dirty="0" smtClean="0"/>
+              <a:t> Import/Export can be used for backup to BLOB storage. Third-party backup products available via </a:t>
+            </a:r>
+            <a:r>
+              <a:rPr lang="en-US" baseline="0" dirty="0" err="1" smtClean="0"/>
+              <a:t>RedGate</a:t>
+            </a:r>
+            <a:r>
+              <a:rPr lang="en-US" baseline="0" dirty="0" smtClean="0"/>
+              <a:t> and </a:t>
+            </a:r>
+            <a:r>
+              <a:rPr lang="en-US" baseline="0" dirty="0" err="1" smtClean="0"/>
+              <a:t>Enzo</a:t>
+            </a:r>
+            <a:r>
+              <a:rPr lang="en-US" baseline="0" dirty="0" smtClean="0"/>
+              <a:t>.</a:t>
+            </a:r>
+          </a:p>
+          <a:p>
+            <a:pPr marL="0" marR="0" indent="0" algn="l" defTabSz="914363" rtl="0" eaLnBrk="1" fontAlgn="auto" latinLnBrk="0" hangingPunct="1">
+              <a:lnSpc>
+                <a:spcPct val="90000"/>
+              </a:lnSpc>
+              <a:spcBef>
+                <a:spcPts val="0"/>
+              </a:spcBef>
+              <a:spcAft>
+                <a:spcPts val="333"/>
+              </a:spcAft>
+              <a:buClrTx/>
+              <a:buSzTx/>
+              <a:buFontTx/>
+              <a:buNone/>
+              <a:tabLst/>
+              <a:defRPr/>
+            </a:pPr>
+            <a:r>
+              <a:rPr lang="en-US" baseline="0" dirty="0" smtClean="0"/>
+              <a:t>Data can be stored encrypted but the encryption must be done at the application level. </a:t>
+            </a:r>
+          </a:p>
+          <a:p>
+            <a:pPr marL="0" marR="0" indent="0" algn="l" defTabSz="914363" rtl="0" eaLnBrk="1" fontAlgn="auto" latinLnBrk="0" hangingPunct="1">
+              <a:lnSpc>
+                <a:spcPct val="90000"/>
+              </a:lnSpc>
+              <a:spcBef>
+                <a:spcPts val="0"/>
+              </a:spcBef>
+              <a:spcAft>
+                <a:spcPts val="333"/>
+              </a:spcAft>
+              <a:buClrTx/>
+              <a:buSzTx/>
+              <a:buFontTx/>
+              <a:buNone/>
+              <a:tabLst/>
+              <a:defRPr/>
+            </a:pPr>
+            <a:r>
+              <a:rPr lang="en-US" baseline="0" dirty="0" smtClean="0"/>
+              <a:t>Native encryption is being looked at.</a:t>
+            </a:r>
+          </a:p>
+          <a:p>
+            <a:pPr marL="0" marR="0" indent="0" algn="l" defTabSz="914363" rtl="0" eaLnBrk="1" fontAlgn="auto" latinLnBrk="0" hangingPunct="1">
+              <a:lnSpc>
+                <a:spcPct val="90000"/>
+              </a:lnSpc>
+              <a:spcBef>
+                <a:spcPts val="0"/>
+              </a:spcBef>
+              <a:spcAft>
+                <a:spcPts val="333"/>
+              </a:spcAft>
+              <a:buClrTx/>
+              <a:buSzTx/>
+              <a:buFontTx/>
+              <a:buNone/>
+              <a:tabLst/>
+              <a:defRPr/>
+            </a:pPr>
+            <a:r>
+              <a:rPr lang="en-US" b="1" baseline="0" dirty="0" smtClean="0"/>
+              <a:t>**Linked Servers and Distributed Queries are now supported, </a:t>
+            </a:r>
+            <a:r>
+              <a:rPr lang="en-US" b="0" baseline="0" dirty="0" smtClean="0"/>
+              <a:t>linking a SQL Database instance from an on-premises server. Linking two SQL Database instances is NOT supported.</a:t>
+            </a:r>
+            <a:endParaRPr lang="en-US" b="1" baseline="0" dirty="0" smtClean="0"/>
+          </a:p>
+          <a:p>
+            <a:endParaRPr lang="en-US" dirty="0"/>
           </a:p>
         </p:txBody>
       </p:sp>
@@ -8745,18 +10049,19 @@
           <a:bodyPr/>
           <a:lstStyle/>
           <a:p>
-            <a:fld id="{2C52CFDC-D2D5-4B9F-BA75-89F771E01AEB}" type="slidenum">
+            <a:fld id="{8B263312-38AA-4E1E-B2B5-0F8F122B24FE}" type="slidenum">
               <a:rPr lang="en-US" smtClean="0"/>
+              <a:pPr/>
               <a:t>30</a:t>
             </a:fld>
-            <a:endParaRPr lang="en-US"/>
+            <a:endParaRPr lang="en-US" dirty="0"/>
           </a:p>
         </p:txBody>
       </p:sp>
     </p:spTree>
     <p:extLst>
       <p:ext uri="{BB962C8B-B14F-4D97-AF65-F5344CB8AC3E}">
-        <p14:creationId xmlns:p14="http://schemas.microsoft.com/office/powerpoint/2010/main" val="436324759"/>
+        <p14:creationId xmlns:p14="http://schemas.microsoft.com/office/powerpoint/2010/main" val="709022043"/>
       </p:ext>
     </p:extLst>
   </p:cSld>
@@ -9129,7 +10434,7 @@
     </p:spTree>
     <p:extLst>
       <p:ext uri="{BB962C8B-B14F-4D97-AF65-F5344CB8AC3E}">
-        <p14:creationId xmlns:p14="http://schemas.microsoft.com/office/powerpoint/2010/main" val="709022043"/>
+        <p14:creationId xmlns:p14="http://schemas.microsoft.com/office/powerpoint/2010/main" val="2170825747"/>
       </p:ext>
     </p:extLst>
   </p:cSld>
@@ -9183,295 +10488,11 @@
           <a:bodyPr/>
           <a:lstStyle/>
           <a:p>
-            <a:pPr rtl="0"/>
-            <a:r>
-              <a:rPr lang="en-US" b="1" dirty="0" smtClean="0">
-                <a:effectLst/>
-                <a:latin typeface="Segoe UI" panose="020B0502040204020203" pitchFamily="34" charset="0"/>
-              </a:rPr>
-              <a:t>Slide Objectives:</a:t>
-            </a:r>
-            <a:endParaRPr lang="en-US" dirty="0" smtClean="0">
-              <a:effectLst/>
-            </a:endParaRPr>
-          </a:p>
-          <a:p>
-            <a:pPr rtl="0"/>
-            <a:r>
-              <a:rPr lang="en-US" dirty="0" smtClean="0">
-                <a:effectLst/>
-                <a:latin typeface="Segoe UI" panose="020B0502040204020203" pitchFamily="34" charset="0"/>
-              </a:rPr>
-              <a:t>Point</a:t>
-            </a:r>
-            <a:r>
-              <a:rPr lang="en-US" baseline="0" dirty="0" smtClean="0">
-                <a:effectLst/>
-                <a:latin typeface="Segoe UI" panose="020B0502040204020203" pitchFamily="34" charset="0"/>
-              </a:rPr>
-              <a:t> out that 1) The same great technologies that developers use today on-premises works with SQL Database 2) high-level differences between on-premises and SQL Database 3) SQL Database features currently unsupported</a:t>
-            </a:r>
-            <a:endParaRPr lang="en-US" dirty="0" smtClean="0">
-              <a:effectLst/>
-            </a:endParaRPr>
-          </a:p>
-          <a:p>
-            <a:pPr rtl="0"/>
-            <a:r>
-              <a:rPr lang="en-US" b="1" dirty="0" smtClean="0">
-                <a:effectLst/>
-                <a:latin typeface="Segoe UI" panose="020B0502040204020203" pitchFamily="34" charset="0"/>
-              </a:rPr>
-              <a:t>Transition:</a:t>
-            </a:r>
-            <a:endParaRPr lang="en-US" dirty="0" smtClean="0">
-              <a:effectLst/>
-            </a:endParaRPr>
-          </a:p>
-          <a:p>
-            <a:pPr rtl="0"/>
-            <a:r>
-              <a:rPr lang="en-US" dirty="0" smtClean="0">
-                <a:effectLst/>
-                <a:latin typeface="Segoe UI" panose="020B0502040204020203" pitchFamily="34" charset="0"/>
-              </a:rPr>
-              <a:t>Creating,</a:t>
-            </a:r>
-            <a:r>
-              <a:rPr lang="en-US" baseline="0" dirty="0" smtClean="0">
-                <a:effectLst/>
-                <a:latin typeface="Segoe UI" panose="020B0502040204020203" pitchFamily="34" charset="0"/>
-              </a:rPr>
-              <a:t> managing, and deploying a database in Microsoft Azure SQL Database isn’t difficult. The key is understanding the features that are supported and how SQL Database compares to on-premises SQL Server and the technologies that can be used with SQL Database.</a:t>
-            </a:r>
-            <a:endParaRPr lang="en-US" dirty="0" smtClean="0">
-              <a:effectLst/>
-            </a:endParaRPr>
-          </a:p>
-          <a:p>
-            <a:pPr rtl="0"/>
-            <a:r>
-              <a:rPr lang="en-US" b="1" dirty="0" smtClean="0">
-                <a:effectLst/>
-                <a:latin typeface="Segoe UI" panose="020B0502040204020203" pitchFamily="34" charset="0"/>
-              </a:rPr>
-              <a:t>Speaking Points:</a:t>
-            </a:r>
-            <a:endParaRPr lang="en-US" dirty="0" smtClean="0">
-              <a:effectLst/>
-            </a:endParaRPr>
-          </a:p>
-          <a:p>
-            <a:pPr rtl="0"/>
-            <a:r>
-              <a:rPr lang="en-US" baseline="0" dirty="0" smtClean="0">
-                <a:effectLst/>
-                <a:latin typeface="Segoe UI" panose="020B0502040204020203" pitchFamily="34" charset="0"/>
-              </a:rPr>
-              <a:t>The same great technologies that developers use today on-premises works with SQL Database, including developer languages, Frameworks, and Tools. </a:t>
-            </a:r>
-            <a:r>
-              <a:rPr lang="en-US" b="1" baseline="0" dirty="0" smtClean="0">
-                <a:effectLst/>
-                <a:latin typeface="Segoe UI" panose="020B0502040204020203" pitchFamily="34" charset="0"/>
-              </a:rPr>
-              <a:t>Nothing new to learn!</a:t>
-            </a:r>
-            <a:endParaRPr lang="en-US" b="1" dirty="0" smtClean="0">
-              <a:effectLst/>
-            </a:endParaRPr>
-          </a:p>
-          <a:p>
-            <a:pPr rtl="0"/>
-            <a:r>
-              <a:rPr lang="en-US" dirty="0" smtClean="0">
-                <a:effectLst/>
-                <a:latin typeface="Segoe UI" panose="020B0502040204020203" pitchFamily="34" charset="0"/>
-              </a:rPr>
-              <a:t>SQL Server Comparison</a:t>
-            </a:r>
-            <a:r>
-              <a:rPr lang="en-US" baseline="0" dirty="0" smtClean="0">
-                <a:effectLst/>
-                <a:latin typeface="Segoe UI" panose="020B0502040204020203" pitchFamily="34" charset="0"/>
-              </a:rPr>
-              <a:t> -&gt; highlight the </a:t>
-            </a:r>
-            <a:r>
-              <a:rPr lang="en-US" b="1" baseline="0" dirty="0" smtClean="0">
-                <a:effectLst/>
-                <a:latin typeface="Segoe UI" panose="020B0502040204020203" pitchFamily="34" charset="0"/>
-              </a:rPr>
-              <a:t>physical vs. logical</a:t>
-            </a:r>
-            <a:r>
-              <a:rPr lang="en-US" baseline="0" dirty="0" smtClean="0">
-                <a:effectLst/>
-                <a:latin typeface="Segoe UI" panose="020B0502040204020203" pitchFamily="34" charset="0"/>
-              </a:rPr>
-              <a:t> administration. Developers and DBAs can now focus on things they love to do and not worry about the physical aspect.</a:t>
-            </a:r>
-          </a:p>
-          <a:p>
-            <a:pPr rtl="0"/>
-            <a:r>
-              <a:rPr lang="en-US" baseline="0" dirty="0" smtClean="0">
-                <a:effectLst/>
-                <a:latin typeface="Segoe UI" panose="020B0502040204020203" pitchFamily="34" charset="0"/>
-              </a:rPr>
-              <a:t>Features unsupported by SQL Database -&gt; Many of the unsupported features are hardware based and thus don’t need to be in SQL Database. Other features, such as encryption, are server-based and become a challenge in solving in a shared-environment.</a:t>
-            </a:r>
-            <a:endParaRPr lang="en-US" dirty="0" smtClean="0">
-              <a:effectLst/>
-            </a:endParaRPr>
-          </a:p>
-          <a:p>
-            <a:pPr rtl="0"/>
-            <a:r>
-              <a:rPr lang="en-US" b="1" dirty="0" smtClean="0">
-                <a:effectLst/>
-                <a:latin typeface="Segoe UI" panose="020B0502040204020203" pitchFamily="34" charset="0"/>
-              </a:rPr>
-              <a:t>Notes:</a:t>
-            </a:r>
-            <a:endParaRPr lang="en-US" dirty="0" smtClean="0">
-              <a:effectLst/>
-            </a:endParaRPr>
-          </a:p>
-          <a:p>
-            <a:pPr rtl="0"/>
-            <a:r>
-              <a:rPr lang="en-US" dirty="0" smtClean="0">
-                <a:effectLst/>
-              </a:rPr>
-              <a:t>CLR data</a:t>
-            </a:r>
-            <a:r>
-              <a:rPr lang="en-US" baseline="0" dirty="0" smtClean="0">
-                <a:effectLst/>
-              </a:rPr>
-              <a:t> types ARE supported, SQLCLR is not yet supported. </a:t>
-            </a:r>
-          </a:p>
-          <a:p>
-            <a:pPr marL="0" marR="0" indent="0" algn="l" defTabSz="914363" rtl="0" eaLnBrk="1" fontAlgn="auto" latinLnBrk="0" hangingPunct="1">
-              <a:lnSpc>
-                <a:spcPct val="90000"/>
-              </a:lnSpc>
-              <a:spcBef>
-                <a:spcPts val="0"/>
-              </a:spcBef>
-              <a:spcAft>
-                <a:spcPts val="333"/>
-              </a:spcAft>
-              <a:buClrTx/>
-              <a:buSzTx/>
-              <a:buFontTx/>
-              <a:buNone/>
-              <a:tabLst/>
-              <a:defRPr/>
-            </a:pPr>
             <a:r>
               <a:rPr lang="en-US" dirty="0" smtClean="0"/>
-              <a:t>Backup/Restore: PIT Coming;</a:t>
-            </a:r>
-            <a:r>
-              <a:rPr lang="en-US" baseline="0" dirty="0" smtClean="0"/>
-              <a:t> Import/Export can be used for backup to BLOB storage. Third-party backup products available via </a:t>
-            </a:r>
-            <a:r>
-              <a:rPr lang="en-US" baseline="0" dirty="0" err="1" smtClean="0"/>
-              <a:t>RedGate</a:t>
-            </a:r>
-            <a:r>
-              <a:rPr lang="en-US" baseline="0" dirty="0" smtClean="0"/>
-              <a:t> and </a:t>
-            </a:r>
-            <a:r>
-              <a:rPr lang="en-US" baseline="0" dirty="0" err="1" smtClean="0"/>
-              <a:t>Enzo</a:t>
-            </a:r>
-            <a:r>
-              <a:rPr lang="en-US" baseline="0" dirty="0" smtClean="0"/>
-              <a:t>.</a:t>
-            </a:r>
-          </a:p>
-          <a:p>
-            <a:pPr marL="0" marR="0" indent="0" algn="l" defTabSz="914363" rtl="0" eaLnBrk="1" fontAlgn="auto" latinLnBrk="0" hangingPunct="1">
-              <a:lnSpc>
-                <a:spcPct val="90000"/>
-              </a:lnSpc>
-              <a:spcBef>
-                <a:spcPts val="0"/>
-              </a:spcBef>
-              <a:spcAft>
-                <a:spcPts val="333"/>
-              </a:spcAft>
-              <a:buClrTx/>
-              <a:buSzTx/>
-              <a:buFontTx/>
-              <a:buNone/>
-              <a:tabLst/>
-              <a:defRPr/>
-            </a:pPr>
-            <a:r>
-              <a:rPr lang="en-US" baseline="0" dirty="0" smtClean="0"/>
-              <a:t>Data can be stored encrypted but the encryption must be done at the application level. </a:t>
-            </a:r>
-          </a:p>
-          <a:p>
-            <a:pPr marL="0" marR="0" indent="0" algn="l" defTabSz="914363" rtl="0" eaLnBrk="1" fontAlgn="auto" latinLnBrk="0" hangingPunct="1">
-              <a:lnSpc>
-                <a:spcPct val="90000"/>
-              </a:lnSpc>
-              <a:spcBef>
-                <a:spcPts val="0"/>
-              </a:spcBef>
-              <a:spcAft>
-                <a:spcPts val="333"/>
-              </a:spcAft>
-              <a:buClrTx/>
-              <a:buSzTx/>
-              <a:buFontTx/>
-              <a:buNone/>
-              <a:tabLst/>
-              <a:defRPr/>
-            </a:pPr>
-            <a:r>
-              <a:rPr lang="en-US" baseline="0" dirty="0" smtClean="0"/>
-              <a:t>Native encryption is being looked at.</a:t>
-            </a:r>
-          </a:p>
-          <a:p>
-            <a:pPr marL="0" marR="0" indent="0" algn="l" defTabSz="914363" rtl="0" eaLnBrk="1" fontAlgn="auto" latinLnBrk="0" hangingPunct="1">
-              <a:lnSpc>
-                <a:spcPct val="90000"/>
-              </a:lnSpc>
-              <a:spcBef>
-                <a:spcPts val="0"/>
-              </a:spcBef>
-              <a:spcAft>
-                <a:spcPts val="333"/>
-              </a:spcAft>
-              <a:buClrTx/>
-              <a:buSzTx/>
-              <a:buFontTx/>
-              <a:buNone/>
-              <a:tabLst/>
-              <a:defRPr/>
-            </a:pPr>
-            <a:r>
-              <a:rPr lang="en-US" b="1" baseline="0" dirty="0" smtClean="0"/>
-              <a:t>**Linked Servers and Distributed Queries are now supported, </a:t>
-            </a:r>
-            <a:r>
-              <a:rPr lang="en-US" b="0" baseline="0" dirty="0" smtClean="0"/>
-              <a:t>linking a SQL Database instance from an on-premises server. Linking two SQL Database instances is NOT supported.</a:t>
-            </a:r>
-            <a:endParaRPr lang="en-US" b="1" baseline="0" dirty="0" smtClean="0"/>
-          </a:p>
-          <a:p>
-            <a:endParaRPr lang="en-US" dirty="0"/>
+              <a:t>Demo 2)</a:t>
+            </a:r>
+            <a:endParaRPr lang="en-US" sz="800" baseline="0" dirty="0" smtClean="0"/>
           </a:p>
         </p:txBody>
       </p:sp>
@@ -9490,19 +10511,18 @@
           <a:bodyPr/>
           <a:lstStyle/>
           <a:p>
-            <a:fld id="{8B263312-38AA-4E1E-B2B5-0F8F122B24FE}" type="slidenum">
+            <a:fld id="{2C52CFDC-D2D5-4B9F-BA75-89F771E01AEB}" type="slidenum">
               <a:rPr lang="en-US" smtClean="0"/>
-              <a:pPr/>
               <a:t>32</a:t>
             </a:fld>
-            <a:endParaRPr lang="en-US" dirty="0"/>
+            <a:endParaRPr lang="en-US"/>
           </a:p>
         </p:txBody>
       </p:sp>
     </p:spTree>
     <p:extLst>
       <p:ext uri="{BB962C8B-B14F-4D97-AF65-F5344CB8AC3E}">
-        <p14:creationId xmlns:p14="http://schemas.microsoft.com/office/powerpoint/2010/main" val="2170825747"/>
+        <p14:creationId xmlns:p14="http://schemas.microsoft.com/office/powerpoint/2010/main" val="436324759"/>
       </p:ext>
     </p:extLst>
   </p:cSld>
@@ -15013,7 +16033,7 @@
           <a:graphicData uri="http://schemas.openxmlformats.org/presentationml/2006/ole">
             <mc:AlternateContent xmlns:mc="http://schemas.openxmlformats.org/markup-compatibility/2006">
               <mc:Choice xmlns:v="urn:schemas-microsoft-com:vml" Requires="v">
-                <p:oleObj spid="_x0000_s14520" name="think-cell Slide" r:id="rId9" imgW="270" imgH="270" progId="">
+                <p:oleObj spid="_x0000_s14524" name="think-cell Slide" r:id="rId9" imgW="270" imgH="270" progId="">
                   <p:embed/>
                 </p:oleObj>
               </mc:Choice>
@@ -15316,7 +16336,7 @@
           <a:graphicData uri="http://schemas.openxmlformats.org/presentationml/2006/ole">
             <mc:AlternateContent xmlns:mc="http://schemas.openxmlformats.org/markup-compatibility/2006">
               <mc:Choice xmlns:v="urn:schemas-microsoft-com:vml" Requires="v">
-                <p:oleObj spid="_x0000_s15544" name="think-cell Slide" r:id="rId8" imgW="270" imgH="270" progId="">
+                <p:oleObj spid="_x0000_s15548" name="think-cell Slide" r:id="rId8" imgW="270" imgH="270" progId="">
                   <p:embed/>
                 </p:oleObj>
               </mc:Choice>
@@ -15560,7 +16580,7 @@
           <a:graphicData uri="http://schemas.openxmlformats.org/presentationml/2006/ole">
             <mc:AlternateContent xmlns:mc="http://schemas.openxmlformats.org/markup-compatibility/2006">
               <mc:Choice xmlns:v="urn:schemas-microsoft-com:vml" Requires="v">
-                <p:oleObj spid="_x0000_s16568" name="think-cell Slide" r:id="rId10" imgW="270" imgH="270" progId="">
+                <p:oleObj spid="_x0000_s16572" name="think-cell Slide" r:id="rId10" imgW="270" imgH="270" progId="">
                   <p:embed/>
                 </p:oleObj>
               </mc:Choice>
@@ -16523,7 +17543,7 @@
           <a:graphicData uri="http://schemas.openxmlformats.org/presentationml/2006/ole">
             <mc:AlternateContent xmlns:mc="http://schemas.openxmlformats.org/markup-compatibility/2006">
               <mc:Choice xmlns:v="urn:schemas-microsoft-com:vml" Requires="v">
-                <p:oleObj spid="_x0000_s17592" name="think-cell Slide" r:id="rId11" imgW="270" imgH="270" progId="">
+                <p:oleObj spid="_x0000_s17596" name="think-cell Slide" r:id="rId11" imgW="270" imgH="270" progId="">
                   <p:embed/>
                 </p:oleObj>
               </mc:Choice>
@@ -17029,7 +18049,7 @@
           <a:graphicData uri="http://schemas.openxmlformats.org/presentationml/2006/ole">
             <mc:AlternateContent xmlns:mc="http://schemas.openxmlformats.org/markup-compatibility/2006">
               <mc:Choice xmlns:v="urn:schemas-microsoft-com:vml" Requires="v">
-                <p:oleObj spid="_x0000_s18616" name="think-cell Slide" r:id="rId5" imgW="270" imgH="270" progId="">
+                <p:oleObj spid="_x0000_s18620" name="think-cell Slide" r:id="rId5" imgW="270" imgH="270" progId="">
                   <p:embed/>
                 </p:oleObj>
               </mc:Choice>
@@ -17271,7 +18291,7 @@
           <a:graphicData uri="http://schemas.openxmlformats.org/presentationml/2006/ole">
             <mc:AlternateContent xmlns:mc="http://schemas.openxmlformats.org/markup-compatibility/2006">
               <mc:Choice xmlns:v="urn:schemas-microsoft-com:vml" Requires="v">
-                <p:oleObj spid="_x0000_s19640" name="think-cell Slide" r:id="rId5" imgW="270" imgH="270" progId="">
+                <p:oleObj spid="_x0000_s19644" name="think-cell Slide" r:id="rId5" imgW="270" imgH="270" progId="">
                   <p:embed/>
                 </p:oleObj>
               </mc:Choice>
@@ -23700,7 +24720,7 @@
                 </a:solidFill>
               </a:rPr>
               <a:pPr/>
-              <a:t>2015-04-24</a:t>
+              <a:t>2015-04-25</a:t>
             </a:fld>
             <a:endParaRPr lang="sv-SE">
               <a:solidFill>
@@ -24178,7 +25198,7 @@
                 </a:solidFill>
               </a:rPr>
               <a:pPr/>
-              <a:t>2015-04-24</a:t>
+              <a:t>2015-04-25</a:t>
             </a:fld>
             <a:endParaRPr lang="sv-SE">
               <a:solidFill>
@@ -25660,7 +26680,7 @@
           <a:graphicData uri="http://schemas.openxmlformats.org/presentationml/2006/ole">
             <mc:AlternateContent xmlns:mc="http://schemas.openxmlformats.org/markup-compatibility/2006">
               <mc:Choice xmlns:v="urn:schemas-microsoft-com:vml" Requires="v">
-                <p:oleObj spid="_x0000_s13496" name="think-cell Slide" r:id="rId13" imgW="270" imgH="270" progId="">
+                <p:oleObj spid="_x0000_s13500" name="think-cell Slide" r:id="rId13" imgW="270" imgH="270" progId="">
                   <p:embed/>
                 </p:oleObj>
               </mc:Choice>
@@ -27835,11 +28855,10 @@
           <a:p>
             <a:pPr marL="252000"/>
             <a:r>
-              <a:rPr lang="en-US" sz="2800" dirty="0" smtClean="0">
+              <a:rPr lang="en-US" sz="2400" dirty="0" smtClean="0">
                 <a:solidFill>
                   <a:schemeClr val="bg1"/>
                 </a:solidFill>
-                <a:latin typeface="+mj-lt"/>
               </a:rPr>
               <a:t>Software Engineering Team Leader @ EPAM Systems</a:t>
             </a:r>
@@ -27847,7 +28866,7 @@
           <a:p>
             <a:pPr marL="252000"/>
             <a:r>
-              <a:rPr lang="en-US" sz="2800" dirty="0" smtClean="0">
+              <a:rPr lang="en-US" sz="2400" dirty="0" smtClean="0">
                 <a:solidFill>
                   <a:schemeClr val="bg1"/>
                 </a:solidFill>
@@ -27858,28 +28877,25 @@
           <a:p>
             <a:pPr marL="252000"/>
             <a:r>
-              <a:rPr lang="en-US" sz="2800" dirty="0" smtClean="0">
+              <a:rPr lang="en-US" sz="2400" dirty="0" smtClean="0">
                 <a:solidFill>
                   <a:schemeClr val="bg1"/>
                 </a:solidFill>
-                <a:latin typeface="+mj-lt"/>
               </a:rPr>
               <a:t>skype: </a:t>
             </a:r>
             <a:r>
-              <a:rPr lang="en-US" sz="2800" dirty="0" err="1" smtClean="0">
+              <a:rPr lang="en-US" sz="2400" dirty="0" err="1" smtClean="0">
                 <a:solidFill>
                   <a:schemeClr val="bg1"/>
                 </a:solidFill>
-                <a:latin typeface="+mj-lt"/>
               </a:rPr>
               <a:t>skryshtop</a:t>
             </a:r>
-            <a:endParaRPr lang="en-US" sz="2800" dirty="0" smtClean="0">
+            <a:endParaRPr lang="en-US" sz="2400" dirty="0" smtClean="0">
               <a:solidFill>
                 <a:schemeClr val="bg1"/>
               </a:solidFill>
-              <a:latin typeface="+mj-lt"/>
             </a:endParaRPr>
           </a:p>
         </p:txBody>
@@ -27922,6 +28938,77 @@
           </a:p>
         </p:txBody>
       </p:sp>
+      <p:pic>
+        <p:nvPicPr>
+          <p:cNvPr id="5" name="Picture 4"/>
+          <p:cNvPicPr>
+            <a:picLocks noChangeAspect="1"/>
+          </p:cNvPicPr>
+          <p:nvPr/>
+        </p:nvPicPr>
+        <p:blipFill>
+          <a:blip r:embed="rId4" cstate="print">
+            <a:extLst>
+              <a:ext uri="{28A0092B-C50C-407E-A947-70E740481C1C}">
+                <a14:useLocalDpi xmlns:a14="http://schemas.microsoft.com/office/drawing/2010/main" val="0"/>
+              </a:ext>
+            </a:extLst>
+          </a:blip>
+          <a:stretch>
+            <a:fillRect/>
+          </a:stretch>
+        </p:blipFill>
+        <p:spPr>
+          <a:xfrm>
+            <a:off x="7653401" y="4118253"/>
+            <a:ext cx="4648200" cy="1820945"/>
+          </a:xfrm>
+          <a:prstGeom prst="rect">
+            <a:avLst/>
+          </a:prstGeom>
+        </p:spPr>
+      </p:pic>
+      <p:pic>
+        <p:nvPicPr>
+          <p:cNvPr id="20482" name="Picture 2" descr="http://global.azurebootcamp.net/wp-content/uploads/2014/11/2015-logo-inverted-250x169.png"/>
+          <p:cNvPicPr>
+            <a:picLocks noChangeAspect="1" noChangeArrowheads="1"/>
+          </p:cNvPicPr>
+          <p:nvPr/>
+        </p:nvPicPr>
+        <p:blipFill>
+          <a:blip r:embed="rId5">
+            <a:extLst>
+              <a:ext uri="{28A0092B-C50C-407E-A947-70E740481C1C}">
+                <a14:useLocalDpi xmlns:a14="http://schemas.microsoft.com/office/drawing/2010/main" val="0"/>
+              </a:ext>
+            </a:extLst>
+          </a:blip>
+          <a:srcRect/>
+          <a:stretch>
+            <a:fillRect/>
+          </a:stretch>
+        </p:blipFill>
+        <p:spPr bwMode="auto">
+          <a:xfrm>
+            <a:off x="8606604" y="150987"/>
+            <a:ext cx="3273720" cy="2213036"/>
+          </a:xfrm>
+          <a:prstGeom prst="rect">
+            <a:avLst/>
+          </a:prstGeom>
+          <a:noFill/>
+          <a:extLst>
+            <a:ext uri="{909E8E84-426E-40DD-AFC4-6F175D3DCCD1}">
+              <a14:hiddenFill xmlns:a14="http://schemas.microsoft.com/office/drawing/2010/main">
+                <a:solidFill>
+                  <a:srgbClr val="FFFFFF"/>
+                </a:solidFill>
+              </a14:hiddenFill>
+            </a:ext>
+          </a:extLst>
+        </p:spPr>
+      </p:pic>
     </p:spTree>
     <p:extLst>
       <p:ext uri="{BB962C8B-B14F-4D97-AF65-F5344CB8AC3E}">
@@ -42944,7 +44031,7 @@
 </file>
 
 <file path=ppt/slides/slide27.xml><?xml version="1.0" encoding="utf-8"?>
-<p:sld xmlns:a="http://schemas.openxmlformats.org/drawingml/2006/main" xmlns:r="http://schemas.openxmlformats.org/officeDocument/2006/relationships" xmlns:p="http://schemas.openxmlformats.org/presentationml/2006/main">
+<p:sld xmlns:a="http://schemas.openxmlformats.org/drawingml/2006/main" xmlns:r="http://schemas.openxmlformats.org/officeDocument/2006/relationships" xmlns:p="http://schemas.openxmlformats.org/presentationml/2006/main" show="0">
   <p:cSld>
     <p:spTree>
       <p:nvGrpSpPr>
@@ -43077,13 +44164,13 @@
   <p:clrMapOvr>
     <a:masterClrMapping/>
   </p:clrMapOvr>
-  <mc:AlternateContent xmlns:mc="http://schemas.openxmlformats.org/markup-compatibility/2006" xmlns:p14="http://schemas.microsoft.com/office/powerpoint/2010/main">
-    <mc:Choice Requires="p14">
+  <mc:AlternateContent xmlns:mc="http://schemas.openxmlformats.org/markup-compatibility/2006">
+    <mc:Choice xmlns:p14="http://schemas.microsoft.com/office/powerpoint/2010/main" Requires="p14">
       <p:transition spd="med" p14:dur="700">
         <p:fade/>
       </p:transition>
     </mc:Choice>
-    <mc:Fallback xmlns="">
+    <mc:Fallback>
       <p:transition spd="med">
         <p:fade/>
       </p:transition>
@@ -43190,7 +44277,7 @@
 </file>
 
 <file path=ppt/slides/slide28.xml><?xml version="1.0" encoding="utf-8"?>
-<p:sld xmlns:a="http://schemas.openxmlformats.org/drawingml/2006/main" xmlns:r="http://schemas.openxmlformats.org/officeDocument/2006/relationships" xmlns:p="http://schemas.openxmlformats.org/presentationml/2006/main">
+<p:sld xmlns:a="http://schemas.openxmlformats.org/drawingml/2006/main" xmlns:r="http://schemas.openxmlformats.org/officeDocument/2006/relationships" xmlns:p="http://schemas.openxmlformats.org/presentationml/2006/main" show="0">
   <p:cSld>
     <p:spTree>
       <p:nvGrpSpPr>
@@ -43593,11 +44680,11 @@
   <p:clrMapOvr>
     <a:masterClrMapping/>
   </p:clrMapOvr>
-  <mc:AlternateContent xmlns:mc="http://schemas.openxmlformats.org/markup-compatibility/2006" xmlns:p14="http://schemas.microsoft.com/office/powerpoint/2010/main">
-    <mc:Choice Requires="p14">
+  <mc:AlternateContent xmlns:mc="http://schemas.openxmlformats.org/markup-compatibility/2006">
+    <mc:Choice xmlns:p14="http://schemas.microsoft.com/office/powerpoint/2010/main" Requires="p14">
       <p:transition spd="slow" p14:dur="2000"/>
     </mc:Choice>
-    <mc:Fallback xmlns="">
+    <mc:Fallback>
       <p:transition spd="slow"/>
     </mc:Fallback>
   </mc:AlternateContent>
@@ -44354,37 +45441,319 @@
       </p:grpSpPr>
       <p:sp>
         <p:nvSpPr>
-          <p:cNvPr id="3" name="Subtitle 2"/>
-          <p:cNvSpPr>
-            <a:spLocks noGrp="1"/>
+          <p:cNvPr id="7" name="Content Placeholder 2"/>
+          <p:cNvSpPr txBox="1">
+            <a:spLocks/>
           </p:cNvSpPr>
-          <p:nvPr>
-            <p:ph type="subTitle" idx="4294967295"/>
-          </p:nvPr>
+          <p:nvPr/>
         </p:nvSpPr>
         <p:spPr>
           <a:xfrm>
             <a:off x="0" y="0"/>
             <a:ext cx="12192000" cy="6858000"/>
           </a:xfrm>
+          <a:prstGeom prst="rect">
+            <a:avLst/>
+          </a:prstGeom>
         </p:spPr>
         <p:txBody>
-          <a:bodyPr>
-            <a:normAutofit/>
-          </a:bodyPr>
-          <a:lstStyle/>
-          <a:p>
-            <a:r>
-              <a:rPr lang="en-US" sz="4400" dirty="0" smtClean="0"/>
-              <a:t>Connect from on premise</a:t>
-            </a:r>
-          </a:p>
-          <a:p>
-            <a:r>
-              <a:rPr lang="en-US" sz="4400" dirty="0" smtClean="0"/>
-              <a:t>and deploy your database</a:t>
+          <a:bodyPr lIns="0" tIns="0" rIns="0" bIns="0" anchor="ctr"/>
+          <a:lstStyle>
+            <a:lvl1pPr marL="460375" indent="-460375" algn="l" defTabSz="914363" rtl="0" eaLnBrk="1" latinLnBrk="0" hangingPunct="1">
+              <a:lnSpc>
+                <a:spcPct val="90000"/>
+              </a:lnSpc>
+              <a:spcBef>
+                <a:spcPct val="20000"/>
+              </a:spcBef>
+              <a:buSzPct val="80000"/>
+              <a:buFont typeface="Arial" pitchFamily="34" charset="0"/>
+              <a:buChar char="•"/>
+              <a:defRPr sz="3200" kern="1200">
+                <a:gradFill>
+                  <a:gsLst>
+                    <a:gs pos="0">
+                      <a:srgbClr val="595959"/>
+                    </a:gs>
+                    <a:gs pos="86000">
+                      <a:srgbClr val="595959"/>
+                    </a:gs>
+                  </a:gsLst>
+                  <a:lin ang="5400000" scaled="0"/>
+                </a:gradFill>
+                <a:latin typeface="+mn-lt"/>
+                <a:ea typeface="+mn-ea"/>
+                <a:cs typeface="+mn-cs"/>
+              </a:defRPr>
+            </a:lvl1pPr>
+            <a:lvl2pPr marL="855663" indent="-395288" algn="l" defTabSz="914363" rtl="0" eaLnBrk="1" latinLnBrk="0" hangingPunct="1">
+              <a:lnSpc>
+                <a:spcPct val="90000"/>
+              </a:lnSpc>
+              <a:spcBef>
+                <a:spcPct val="20000"/>
+              </a:spcBef>
+              <a:buSzPct val="80000"/>
+              <a:buFont typeface="Arial" pitchFamily="34" charset="0"/>
+              <a:buChar char="•"/>
+              <a:defRPr sz="2800" kern="1200">
+                <a:gradFill>
+                  <a:gsLst>
+                    <a:gs pos="0">
+                      <a:srgbClr val="595959"/>
+                    </a:gs>
+                    <a:gs pos="86000">
+                      <a:srgbClr val="595959"/>
+                    </a:gs>
+                  </a:gsLst>
+                  <a:lin ang="5400000" scaled="0"/>
+                </a:gradFill>
+                <a:latin typeface="+mn-lt"/>
+                <a:ea typeface="+mn-ea"/>
+                <a:cs typeface="+mn-cs"/>
+              </a:defRPr>
+            </a:lvl2pPr>
+            <a:lvl3pPr marL="1258888" indent="-403225" algn="l" defTabSz="914363" rtl="0" eaLnBrk="1" latinLnBrk="0" hangingPunct="1">
+              <a:lnSpc>
+                <a:spcPct val="90000"/>
+              </a:lnSpc>
+              <a:spcBef>
+                <a:spcPct val="20000"/>
+              </a:spcBef>
+              <a:buSzPct val="80000"/>
+              <a:buFont typeface="Arial" pitchFamily="34" charset="0"/>
+              <a:buChar char="•"/>
+              <a:defRPr sz="2400" kern="1200">
+                <a:gradFill>
+                  <a:gsLst>
+                    <a:gs pos="0">
+                      <a:srgbClr val="595959"/>
+                    </a:gs>
+                    <a:gs pos="86000">
+                      <a:srgbClr val="595959"/>
+                    </a:gs>
+                  </a:gsLst>
+                  <a:lin ang="5400000" scaled="0"/>
+                </a:gradFill>
+                <a:latin typeface="+mn-lt"/>
+                <a:ea typeface="+mn-ea"/>
+                <a:cs typeface="+mn-cs"/>
+              </a:defRPr>
+            </a:lvl3pPr>
+            <a:lvl4pPr marL="1604963" indent="-346075" algn="l" defTabSz="914363" rtl="0" eaLnBrk="1" latinLnBrk="0" hangingPunct="1">
+              <a:lnSpc>
+                <a:spcPct val="90000"/>
+              </a:lnSpc>
+              <a:spcBef>
+                <a:spcPct val="20000"/>
+              </a:spcBef>
+              <a:buSzPct val="80000"/>
+              <a:buFont typeface="Arial" pitchFamily="34" charset="0"/>
+              <a:buChar char="•"/>
+              <a:defRPr sz="2000" kern="1200">
+                <a:gradFill>
+                  <a:gsLst>
+                    <a:gs pos="0">
+                      <a:srgbClr val="595959"/>
+                    </a:gs>
+                    <a:gs pos="86000">
+                      <a:srgbClr val="595959"/>
+                    </a:gs>
+                  </a:gsLst>
+                  <a:lin ang="5400000" scaled="0"/>
+                </a:gradFill>
+                <a:latin typeface="+mn-lt"/>
+                <a:ea typeface="+mn-ea"/>
+                <a:cs typeface="+mn-cs"/>
+              </a:defRPr>
+            </a:lvl4pPr>
+            <a:lvl5pPr marL="1941513" indent="-336550" algn="l" defTabSz="914363" rtl="0" eaLnBrk="1" latinLnBrk="0" hangingPunct="1">
+              <a:lnSpc>
+                <a:spcPct val="90000"/>
+              </a:lnSpc>
+              <a:spcBef>
+                <a:spcPct val="20000"/>
+              </a:spcBef>
+              <a:buSzPct val="80000"/>
+              <a:buFont typeface="Arial" pitchFamily="34" charset="0"/>
+              <a:buChar char="•"/>
+              <a:defRPr sz="2000" kern="1200">
+                <a:gradFill>
+                  <a:gsLst>
+                    <a:gs pos="0">
+                      <a:srgbClr val="595959"/>
+                    </a:gs>
+                    <a:gs pos="86000">
+                      <a:srgbClr val="595959"/>
+                    </a:gs>
+                  </a:gsLst>
+                  <a:lin ang="5400000" scaled="0"/>
+                </a:gradFill>
+                <a:latin typeface="+mn-lt"/>
+                <a:ea typeface="+mn-ea"/>
+                <a:cs typeface="+mn-cs"/>
+              </a:defRPr>
+            </a:lvl5pPr>
+            <a:lvl6pPr marL="2514499" indent="-228591" algn="l" defTabSz="914363" rtl="0" eaLnBrk="1" latinLnBrk="0" hangingPunct="1">
+              <a:spcBef>
+                <a:spcPct val="20000"/>
+              </a:spcBef>
+              <a:buFont typeface="Arial" pitchFamily="34" charset="0"/>
+              <a:buChar char="•"/>
+              <a:defRPr sz="2000" kern="1200">
+                <a:solidFill>
+                  <a:schemeClr val="tx1"/>
+                </a:solidFill>
+                <a:latin typeface="+mn-lt"/>
+                <a:ea typeface="+mn-ea"/>
+                <a:cs typeface="+mn-cs"/>
+              </a:defRPr>
+            </a:lvl6pPr>
+            <a:lvl7pPr marL="2971681" indent="-228591" algn="l" defTabSz="914363" rtl="0" eaLnBrk="1" latinLnBrk="0" hangingPunct="1">
+              <a:spcBef>
+                <a:spcPct val="20000"/>
+              </a:spcBef>
+              <a:buFont typeface="Arial" pitchFamily="34" charset="0"/>
+              <a:buChar char="•"/>
+              <a:defRPr sz="2000" kern="1200">
+                <a:solidFill>
+                  <a:schemeClr val="tx1"/>
+                </a:solidFill>
+                <a:latin typeface="+mn-lt"/>
+                <a:ea typeface="+mn-ea"/>
+                <a:cs typeface="+mn-cs"/>
+              </a:defRPr>
+            </a:lvl7pPr>
+            <a:lvl8pPr marL="3428863" indent="-228591" algn="l" defTabSz="914363" rtl="0" eaLnBrk="1" latinLnBrk="0" hangingPunct="1">
+              <a:spcBef>
+                <a:spcPct val="20000"/>
+              </a:spcBef>
+              <a:buFont typeface="Arial" pitchFamily="34" charset="0"/>
+              <a:buChar char="•"/>
+              <a:defRPr sz="2000" kern="1200">
+                <a:solidFill>
+                  <a:schemeClr val="tx1"/>
+                </a:solidFill>
+                <a:latin typeface="+mn-lt"/>
+                <a:ea typeface="+mn-ea"/>
+                <a:cs typeface="+mn-cs"/>
+              </a:defRPr>
+            </a:lvl8pPr>
+            <a:lvl9pPr marL="3886045" indent="-228591" algn="l" defTabSz="914363" rtl="0" eaLnBrk="1" latinLnBrk="0" hangingPunct="1">
+              <a:spcBef>
+                <a:spcPct val="20000"/>
+              </a:spcBef>
+              <a:buFont typeface="Arial" pitchFamily="34" charset="0"/>
+              <a:buChar char="•"/>
+              <a:defRPr sz="2000" kern="1200">
+                <a:solidFill>
+                  <a:schemeClr val="tx1"/>
+                </a:solidFill>
+                <a:latin typeface="+mn-lt"/>
+                <a:ea typeface="+mn-ea"/>
+                <a:cs typeface="+mn-cs"/>
+              </a:defRPr>
+            </a:lvl9pPr>
+          </a:lstStyle>
+          <a:p>
+            <a:pPr marL="252000" lvl="1" indent="0" defTabSz="914325">
+              <a:spcBef>
+                <a:spcPts val="1200"/>
+              </a:spcBef>
+              <a:buNone/>
+            </a:pPr>
+            <a:r>
+              <a:rPr lang="en-US" sz="4400" dirty="0" smtClean="0">
+                <a:solidFill>
+                  <a:schemeClr val="bg1"/>
+                </a:solidFill>
+                <a:latin typeface="+mj-lt"/>
+              </a:rPr>
+              <a:t>SQL </a:t>
+            </a:r>
+            <a:r>
+              <a:rPr lang="en-US" sz="4400" dirty="0">
+                <a:solidFill>
+                  <a:schemeClr val="bg1"/>
+                </a:solidFill>
+                <a:latin typeface="+mj-lt"/>
+              </a:rPr>
+              <a:t>Server Management Studio </a:t>
+            </a:r>
+            <a:r>
+              <a:rPr lang="en-US" sz="4400" dirty="0" smtClean="0">
+                <a:solidFill>
+                  <a:schemeClr val="bg1"/>
+                </a:solidFill>
+                <a:latin typeface="+mj-lt"/>
+              </a:rPr>
+              <a:t>(&gt;=2008 R2)</a:t>
+            </a:r>
+          </a:p>
+          <a:p>
+            <a:pPr marL="252000" lvl="1" indent="0" defTabSz="914325">
+              <a:spcBef>
+                <a:spcPts val="1200"/>
+              </a:spcBef>
+              <a:buNone/>
+            </a:pPr>
+            <a:r>
+              <a:rPr lang="en-US" sz="4400" dirty="0">
+                <a:solidFill>
+                  <a:schemeClr val="bg1"/>
+                </a:solidFill>
+                <a:latin typeface="+mj-lt"/>
+              </a:rPr>
+              <a:t>SQL</a:t>
+            </a:r>
+            <a:r>
+              <a:rPr lang="en-US" sz="4400" dirty="0" smtClean="0">
+                <a:solidFill>
+                  <a:schemeClr val="bg1"/>
+                </a:solidFill>
+                <a:latin typeface="+mj-lt"/>
+              </a:rPr>
+              <a:t> </a:t>
+            </a:r>
+            <a:r>
+              <a:rPr lang="en-US" sz="4400" dirty="0">
+                <a:solidFill>
+                  <a:schemeClr val="bg1"/>
+                </a:solidFill>
+                <a:latin typeface="+mj-lt"/>
+              </a:rPr>
+              <a:t>Server command-line utilities (SQLCMD, BCP</a:t>
+            </a:r>
+            <a:r>
+              <a:rPr lang="en-US" sz="4400" dirty="0" smtClean="0">
+                <a:solidFill>
+                  <a:schemeClr val="bg1"/>
+                </a:solidFill>
+                <a:latin typeface="+mj-lt"/>
+              </a:rPr>
+              <a:t>)</a:t>
+            </a:r>
+          </a:p>
+          <a:p>
+            <a:pPr marL="252000" lvl="1" indent="0" defTabSz="914325">
+              <a:spcBef>
+                <a:spcPts val="1200"/>
+              </a:spcBef>
+              <a:buNone/>
+            </a:pPr>
+            <a:r>
+              <a:rPr lang="en-US" sz="4400" dirty="0" smtClean="0">
+                <a:solidFill>
+                  <a:schemeClr val="bg1"/>
+                </a:solidFill>
+                <a:latin typeface="+mj-lt"/>
+              </a:rPr>
+              <a:t>Visual Studio IDE for database development</a:t>
             </a:r>
             <a:endParaRPr lang="en-US" sz="4400" dirty="0">
+              <a:solidFill>
+                <a:schemeClr val="bg1"/>
+              </a:solidFill>
               <a:latin typeface="+mj-lt"/>
             </a:endParaRPr>
           </a:p>
@@ -44392,7 +45761,7 @@
       </p:sp>
       <p:sp>
         <p:nvSpPr>
-          <p:cNvPr id="4" name="Title 3"/>
+          <p:cNvPr id="6" name="Title 3"/>
           <p:cNvSpPr txBox="1">
             <a:spLocks/>
           </p:cNvSpPr>
@@ -44433,9 +45802,20 @@
           <a:p>
             <a:r>
               <a:rPr lang="en-US" dirty="0" smtClean="0"/>
-              <a:t>Demo</a:t>
-            </a:r>
-            <a:endParaRPr lang="en-US" dirty="0"/>
+              <a:t>Use </a:t>
+            </a:r>
+            <a:r>
+              <a:rPr lang="en-US" dirty="0"/>
+              <a:t>Familiar </a:t>
+            </a:r>
+            <a:r>
+              <a:rPr lang="en-US" dirty="0" smtClean="0"/>
+              <a:t>Technologies - </a:t>
+            </a:r>
+            <a:r>
+              <a:rPr lang="en-US" dirty="0"/>
+              <a:t>Tools</a:t>
+            </a:r>
           </a:p>
         </p:txBody>
       </p:sp>
@@ -44468,7 +45848,7 @@
     </p:spTree>
     <p:extLst>
       <p:ext uri="{BB962C8B-B14F-4D97-AF65-F5344CB8AC3E}">
-        <p14:creationId xmlns:p14="http://schemas.microsoft.com/office/powerpoint/2010/main" val="1225959785"/>
+        <p14:creationId xmlns:p14="http://schemas.microsoft.com/office/powerpoint/2010/main" val="3256881077"/>
       </p:ext>
     </p:extLst>
   </p:cSld>
@@ -44477,155 +45857,18 @@
   </p:clrMapOvr>
   <mc:AlternateContent xmlns:mc="http://schemas.openxmlformats.org/markup-compatibility/2006" xmlns:p14="http://schemas.microsoft.com/office/powerpoint/2010/main">
     <mc:Choice Requires="p14">
-      <p:transition spd="med" p14:dur="700">
-        <p:fade/>
-      </p:transition>
+      <p:transition spd="slow" p14:dur="2000"/>
     </mc:Choice>
     <mc:Fallback xmlns="">
-      <p:transition spd="med">
-        <p:fade/>
-      </p:transition>
+      <p:transition spd="slow"/>
     </mc:Fallback>
   </mc:AlternateContent>
   <p:timing>
     <p:tnLst>
       <p:par>
-        <p:cTn id="1" dur="indefinite" restart="never" nodeType="tmRoot">
-          <p:childTnLst>
-            <p:seq concurrent="1" nextAc="seek">
-              <p:cTn id="2" dur="indefinite" nodeType="mainSeq">
-                <p:childTnLst>
-                  <p:par>
-                    <p:cTn id="3" fill="hold">
-                      <p:stCondLst>
-                        <p:cond delay="indefinite"/>
-                        <p:cond evt="onBegin" delay="0">
-                          <p:tn val="2"/>
-                        </p:cond>
-                      </p:stCondLst>
-                      <p:childTnLst>
-                        <p:par>
-                          <p:cTn id="4" fill="hold">
-                            <p:stCondLst>
-                              <p:cond delay="0"/>
-                            </p:stCondLst>
-                            <p:childTnLst>
-                              <p:par>
-                                <p:cTn id="5" presetID="10" presetClass="entr" presetSubtype="0" fill="hold" grpId="0" nodeType="afterEffect">
-                                  <p:stCondLst>
-                                    <p:cond delay="0"/>
-                                  </p:stCondLst>
-                                  <p:childTnLst>
-                                    <p:set>
-                                      <p:cBhvr>
-                                        <p:cTn id="6" dur="1" fill="hold">
-                                          <p:stCondLst>
-                                            <p:cond delay="0"/>
-                                          </p:stCondLst>
-                                        </p:cTn>
-                                        <p:tgtEl>
-                                          <p:spTgt spid="3">
-                                            <p:txEl>
-                                              <p:pRg st="0" end="0"/>
-                                            </p:txEl>
-                                          </p:spTgt>
-                                        </p:tgtEl>
-                                        <p:attrNameLst>
-                                          <p:attrName>style.visibility</p:attrName>
-                                        </p:attrNameLst>
-                                      </p:cBhvr>
-                                      <p:to>
-                                        <p:strVal val="visible"/>
-                                      </p:to>
-                                    </p:set>
-                                    <p:animEffect transition="in" filter="fade">
-                                      <p:cBhvr>
-                                        <p:cTn id="7" dur="500"/>
-                                        <p:tgtEl>
-                                          <p:spTgt spid="3">
-                                            <p:txEl>
-                                              <p:pRg st="0" end="0"/>
-                                            </p:txEl>
-                                          </p:spTgt>
-                                        </p:tgtEl>
-                                      </p:cBhvr>
-                                    </p:animEffect>
-                                  </p:childTnLst>
-                                </p:cTn>
-                              </p:par>
-                              <p:par>
-                                <p:cTn id="8" presetID="10" presetClass="entr" presetSubtype="0" fill="hold" grpId="0" nodeType="withEffect">
-                                  <p:stCondLst>
-                                    <p:cond delay="0"/>
-                                  </p:stCondLst>
-                                  <p:childTnLst>
-                                    <p:set>
-                                      <p:cBhvr>
-                                        <p:cTn id="9" dur="1" fill="hold">
-                                          <p:stCondLst>
-                                            <p:cond delay="0"/>
-                                          </p:stCondLst>
-                                        </p:cTn>
-                                        <p:tgtEl>
-                                          <p:spTgt spid="3">
-                                            <p:txEl>
-                                              <p:pRg st="1" end="1"/>
-                                            </p:txEl>
-                                          </p:spTgt>
-                                        </p:tgtEl>
-                                        <p:attrNameLst>
-                                          <p:attrName>style.visibility</p:attrName>
-                                        </p:attrNameLst>
-                                      </p:cBhvr>
-                                      <p:to>
-                                        <p:strVal val="visible"/>
-                                      </p:to>
-                                    </p:set>
-                                    <p:animEffect transition="in" filter="fade">
-                                      <p:cBhvr>
-                                        <p:cTn id="10" dur="500"/>
-                                        <p:tgtEl>
-                                          <p:spTgt spid="3">
-                                            <p:txEl>
-                                              <p:pRg st="1" end="1"/>
-                                            </p:txEl>
-                                          </p:spTgt>
-                                        </p:tgtEl>
-                                      </p:cBhvr>
-                                    </p:animEffect>
-                                  </p:childTnLst>
-                                </p:cTn>
-                              </p:par>
-                            </p:childTnLst>
-                          </p:cTn>
-                        </p:par>
-                      </p:childTnLst>
-                    </p:cTn>
-                  </p:par>
-                </p:childTnLst>
-              </p:cTn>
-              <p:prevCondLst>
-                <p:cond evt="onPrev" delay="0">
-                  <p:tgtEl>
-                    <p:sldTgt/>
-                  </p:tgtEl>
-                </p:cond>
-              </p:prevCondLst>
-              <p:nextCondLst>
-                <p:cond evt="onNext" delay="0">
-                  <p:tgtEl>
-                    <p:sldTgt/>
-                  </p:tgtEl>
-                </p:cond>
-              </p:nextCondLst>
-            </p:seq>
-          </p:childTnLst>
-        </p:cTn>
+        <p:cTn id="1" dur="indefinite" restart="never" nodeType="tmRoot"/>
       </p:par>
     </p:tnLst>
-    <p:bldLst>
-      <p:bldP spid="3" grpId="0" uiExpand="1" build="p"/>
-    </p:bldLst>
   </p:timing>
 </p:sld>
 </file>
@@ -44877,457 +46120,6 @@
                 </a:solidFill>
                 <a:latin typeface="+mj-lt"/>
               </a:rPr>
-              <a:t>SQL </a:t>
-            </a:r>
-            <a:r>
-              <a:rPr lang="en-US" sz="4400" dirty="0">
-                <a:solidFill>
-                  <a:schemeClr val="bg1"/>
-                </a:solidFill>
-                <a:latin typeface="+mj-lt"/>
-              </a:rPr>
-              <a:t>Server Management Studio </a:t>
-            </a:r>
-            <a:r>
-              <a:rPr lang="en-US" sz="4400" dirty="0" smtClean="0">
-                <a:solidFill>
-                  <a:schemeClr val="bg1"/>
-                </a:solidFill>
-                <a:latin typeface="+mj-lt"/>
-              </a:rPr>
-              <a:t>(&gt;=2008 R2)</a:t>
-            </a:r>
-          </a:p>
-          <a:p>
-            <a:pPr marL="252000" lvl="1" indent="0" defTabSz="914325">
-              <a:spcBef>
-                <a:spcPts val="1200"/>
-              </a:spcBef>
-              <a:buNone/>
-            </a:pPr>
-            <a:r>
-              <a:rPr lang="en-US" sz="4400" dirty="0">
-                <a:solidFill>
-                  <a:schemeClr val="bg1"/>
-                </a:solidFill>
-                <a:latin typeface="+mj-lt"/>
-              </a:rPr>
-              <a:t>SQL</a:t>
-            </a:r>
-            <a:r>
-              <a:rPr lang="en-US" sz="4400" dirty="0" smtClean="0">
-                <a:solidFill>
-                  <a:schemeClr val="bg1"/>
-                </a:solidFill>
-                <a:latin typeface="+mj-lt"/>
-              </a:rPr>
-              <a:t> </a:t>
-            </a:r>
-            <a:r>
-              <a:rPr lang="en-US" sz="4400" dirty="0">
-                <a:solidFill>
-                  <a:schemeClr val="bg1"/>
-                </a:solidFill>
-                <a:latin typeface="+mj-lt"/>
-              </a:rPr>
-              <a:t>Server command-line utilities (SQLCMD, BCP</a:t>
-            </a:r>
-            <a:r>
-              <a:rPr lang="en-US" sz="4400" dirty="0" smtClean="0">
-                <a:solidFill>
-                  <a:schemeClr val="bg1"/>
-                </a:solidFill>
-                <a:latin typeface="+mj-lt"/>
-              </a:rPr>
-              <a:t>)</a:t>
-            </a:r>
-          </a:p>
-          <a:p>
-            <a:pPr marL="252000" lvl="1" indent="0" defTabSz="914325">
-              <a:spcBef>
-                <a:spcPts val="1200"/>
-              </a:spcBef>
-              <a:buNone/>
-            </a:pPr>
-            <a:r>
-              <a:rPr lang="en-US" sz="4400" dirty="0" smtClean="0">
-                <a:solidFill>
-                  <a:schemeClr val="bg1"/>
-                </a:solidFill>
-                <a:latin typeface="+mj-lt"/>
-              </a:rPr>
-              <a:t>Visual Studio IDE for database development</a:t>
-            </a:r>
-            <a:endParaRPr lang="en-US" sz="4400" dirty="0">
-              <a:solidFill>
-                <a:schemeClr val="bg1"/>
-              </a:solidFill>
-              <a:latin typeface="+mj-lt"/>
-            </a:endParaRPr>
-          </a:p>
-        </p:txBody>
-      </p:sp>
-      <p:sp>
-        <p:nvSpPr>
-          <p:cNvPr id="6" name="Title 3"/>
-          <p:cNvSpPr txBox="1">
-            <a:spLocks/>
-          </p:cNvSpPr>
-          <p:nvPr/>
-        </p:nvSpPr>
-        <p:spPr>
-          <a:xfrm>
-            <a:off x="0" y="0"/>
-            <a:ext cx="12192000" cy="812800"/>
-          </a:xfrm>
-          <a:prstGeom prst="rect">
-            <a:avLst/>
-          </a:prstGeom>
-        </p:spPr>
-        <p:txBody>
-          <a:bodyPr vert="horz" lIns="91440" tIns="45720" rIns="91440" bIns="45720" rtlCol="0" anchor="ctr">
-            <a:normAutofit/>
-          </a:bodyPr>
-          <a:lstStyle>
-            <a:lvl1pPr marL="252000" algn="l" defTabSz="914400" rtl="0" eaLnBrk="1" latinLnBrk="0" hangingPunct="1">
-              <a:lnSpc>
-                <a:spcPct val="90000"/>
-              </a:lnSpc>
-              <a:spcBef>
-                <a:spcPct val="0"/>
-              </a:spcBef>
-              <a:buNone/>
-              <a:defRPr sz="2800" kern="1200">
-                <a:solidFill>
-                  <a:schemeClr val="bg1"/>
-                </a:solidFill>
-                <a:latin typeface="+mj-lt"/>
-                <a:ea typeface="+mj-ea"/>
-                <a:cs typeface="+mj-cs"/>
-              </a:defRPr>
-            </a:lvl1pPr>
-          </a:lstStyle>
-          <a:p>
-            <a:r>
-              <a:rPr lang="en-US" dirty="0" smtClean="0"/>
-              <a:t>Use </a:t>
-            </a:r>
-            <a:r>
-              <a:rPr lang="en-US" dirty="0"/>
-              <a:t>Familiar </a:t>
-            </a:r>
-            <a:r>
-              <a:rPr lang="en-US" dirty="0" smtClean="0"/>
-              <a:t>Technologies - </a:t>
-            </a:r>
-            <a:r>
-              <a:rPr lang="en-US" dirty="0"/>
-              <a:t>Tools</a:t>
-            </a:r>
-          </a:p>
-        </p:txBody>
-      </p:sp>
-      <p:pic>
-        <p:nvPicPr>
-          <p:cNvPr id="5" name="Picture 4"/>
-          <p:cNvPicPr>
-            <a:picLocks noChangeAspect="1"/>
-          </p:cNvPicPr>
-          <p:nvPr/>
-        </p:nvPicPr>
-        <p:blipFill>
-          <a:blip r:embed="rId3">
-            <a:biLevel thresh="25000"/>
-          </a:blip>
-          <a:stretch>
-            <a:fillRect/>
-          </a:stretch>
-        </p:blipFill>
-        <p:spPr>
-          <a:xfrm>
-            <a:off x="11287913" y="72570"/>
-            <a:ext cx="817002" cy="859814"/>
-          </a:xfrm>
-          <a:prstGeom prst="rect">
-            <a:avLst/>
-          </a:prstGeom>
-        </p:spPr>
-      </p:pic>
-    </p:spTree>
-    <p:extLst>
-      <p:ext uri="{BB962C8B-B14F-4D97-AF65-F5344CB8AC3E}">
-        <p14:creationId xmlns:p14="http://schemas.microsoft.com/office/powerpoint/2010/main" val="3256881077"/>
-      </p:ext>
-    </p:extLst>
-  </p:cSld>
-  <p:clrMapOvr>
-    <a:masterClrMapping/>
-  </p:clrMapOvr>
-  <mc:AlternateContent xmlns:mc="http://schemas.openxmlformats.org/markup-compatibility/2006" xmlns:p14="http://schemas.microsoft.com/office/powerpoint/2010/main">
-    <mc:Choice Requires="p14">
-      <p:transition spd="slow" p14:dur="2000"/>
-    </mc:Choice>
-    <mc:Fallback xmlns="">
-      <p:transition spd="slow"/>
-    </mc:Fallback>
-  </mc:AlternateContent>
-  <p:timing>
-    <p:tnLst>
-      <p:par>
-        <p:cTn id="1" dur="indefinite" restart="never" nodeType="tmRoot"/>
-      </p:par>
-    </p:tnLst>
-  </p:timing>
-</p:sld>
-</file>
-
-<file path=ppt/slides/slide32.xml><?xml version="1.0" encoding="utf-8"?>
-<p:sld xmlns:a="http://schemas.openxmlformats.org/drawingml/2006/main" xmlns:r="http://schemas.openxmlformats.org/officeDocument/2006/relationships" xmlns:p="http://schemas.openxmlformats.org/presentationml/2006/main">
-  <p:cSld>
-    <p:spTree>
-      <p:nvGrpSpPr>
-        <p:cNvPr id="1" name=""/>
-        <p:cNvGrpSpPr/>
-        <p:nvPr/>
-      </p:nvGrpSpPr>
-      <p:grpSpPr>
-        <a:xfrm>
-          <a:off x="0" y="0"/>
-          <a:ext cx="0" cy="0"/>
-          <a:chOff x="0" y="0"/>
-          <a:chExt cx="0" cy="0"/>
-        </a:xfrm>
-      </p:grpSpPr>
-      <p:sp>
-        <p:nvSpPr>
-          <p:cNvPr id="7" name="Content Placeholder 2"/>
-          <p:cNvSpPr txBox="1">
-            <a:spLocks/>
-          </p:cNvSpPr>
-          <p:nvPr/>
-        </p:nvSpPr>
-        <p:spPr>
-          <a:xfrm>
-            <a:off x="0" y="0"/>
-            <a:ext cx="12192000" cy="6858000"/>
-          </a:xfrm>
-          <a:prstGeom prst="rect">
-            <a:avLst/>
-          </a:prstGeom>
-        </p:spPr>
-        <p:txBody>
-          <a:bodyPr lIns="0" tIns="0" rIns="0" bIns="0" anchor="ctr"/>
-          <a:lstStyle>
-            <a:lvl1pPr marL="460375" indent="-460375" algn="l" defTabSz="914363" rtl="0" eaLnBrk="1" latinLnBrk="0" hangingPunct="1">
-              <a:lnSpc>
-                <a:spcPct val="90000"/>
-              </a:lnSpc>
-              <a:spcBef>
-                <a:spcPct val="20000"/>
-              </a:spcBef>
-              <a:buSzPct val="80000"/>
-              <a:buFont typeface="Arial" pitchFamily="34" charset="0"/>
-              <a:buChar char="•"/>
-              <a:defRPr sz="3200" kern="1200">
-                <a:gradFill>
-                  <a:gsLst>
-                    <a:gs pos="0">
-                      <a:srgbClr val="595959"/>
-                    </a:gs>
-                    <a:gs pos="86000">
-                      <a:srgbClr val="595959"/>
-                    </a:gs>
-                  </a:gsLst>
-                  <a:lin ang="5400000" scaled="0"/>
-                </a:gradFill>
-                <a:latin typeface="+mn-lt"/>
-                <a:ea typeface="+mn-ea"/>
-                <a:cs typeface="+mn-cs"/>
-              </a:defRPr>
-            </a:lvl1pPr>
-            <a:lvl2pPr marL="855663" indent="-395288" algn="l" defTabSz="914363" rtl="0" eaLnBrk="1" latinLnBrk="0" hangingPunct="1">
-              <a:lnSpc>
-                <a:spcPct val="90000"/>
-              </a:lnSpc>
-              <a:spcBef>
-                <a:spcPct val="20000"/>
-              </a:spcBef>
-              <a:buSzPct val="80000"/>
-              <a:buFont typeface="Arial" pitchFamily="34" charset="0"/>
-              <a:buChar char="•"/>
-              <a:defRPr sz="2800" kern="1200">
-                <a:gradFill>
-                  <a:gsLst>
-                    <a:gs pos="0">
-                      <a:srgbClr val="595959"/>
-                    </a:gs>
-                    <a:gs pos="86000">
-                      <a:srgbClr val="595959"/>
-                    </a:gs>
-                  </a:gsLst>
-                  <a:lin ang="5400000" scaled="0"/>
-                </a:gradFill>
-                <a:latin typeface="+mn-lt"/>
-                <a:ea typeface="+mn-ea"/>
-                <a:cs typeface="+mn-cs"/>
-              </a:defRPr>
-            </a:lvl2pPr>
-            <a:lvl3pPr marL="1258888" indent="-403225" algn="l" defTabSz="914363" rtl="0" eaLnBrk="1" latinLnBrk="0" hangingPunct="1">
-              <a:lnSpc>
-                <a:spcPct val="90000"/>
-              </a:lnSpc>
-              <a:spcBef>
-                <a:spcPct val="20000"/>
-              </a:spcBef>
-              <a:buSzPct val="80000"/>
-              <a:buFont typeface="Arial" pitchFamily="34" charset="0"/>
-              <a:buChar char="•"/>
-              <a:defRPr sz="2400" kern="1200">
-                <a:gradFill>
-                  <a:gsLst>
-                    <a:gs pos="0">
-                      <a:srgbClr val="595959"/>
-                    </a:gs>
-                    <a:gs pos="86000">
-                      <a:srgbClr val="595959"/>
-                    </a:gs>
-                  </a:gsLst>
-                  <a:lin ang="5400000" scaled="0"/>
-                </a:gradFill>
-                <a:latin typeface="+mn-lt"/>
-                <a:ea typeface="+mn-ea"/>
-                <a:cs typeface="+mn-cs"/>
-              </a:defRPr>
-            </a:lvl3pPr>
-            <a:lvl4pPr marL="1604963" indent="-346075" algn="l" defTabSz="914363" rtl="0" eaLnBrk="1" latinLnBrk="0" hangingPunct="1">
-              <a:lnSpc>
-                <a:spcPct val="90000"/>
-              </a:lnSpc>
-              <a:spcBef>
-                <a:spcPct val="20000"/>
-              </a:spcBef>
-              <a:buSzPct val="80000"/>
-              <a:buFont typeface="Arial" pitchFamily="34" charset="0"/>
-              <a:buChar char="•"/>
-              <a:defRPr sz="2000" kern="1200">
-                <a:gradFill>
-                  <a:gsLst>
-                    <a:gs pos="0">
-                      <a:srgbClr val="595959"/>
-                    </a:gs>
-                    <a:gs pos="86000">
-                      <a:srgbClr val="595959"/>
-                    </a:gs>
-                  </a:gsLst>
-                  <a:lin ang="5400000" scaled="0"/>
-                </a:gradFill>
-                <a:latin typeface="+mn-lt"/>
-                <a:ea typeface="+mn-ea"/>
-                <a:cs typeface="+mn-cs"/>
-              </a:defRPr>
-            </a:lvl4pPr>
-            <a:lvl5pPr marL="1941513" indent="-336550" algn="l" defTabSz="914363" rtl="0" eaLnBrk="1" latinLnBrk="0" hangingPunct="1">
-              <a:lnSpc>
-                <a:spcPct val="90000"/>
-              </a:lnSpc>
-              <a:spcBef>
-                <a:spcPct val="20000"/>
-              </a:spcBef>
-              <a:buSzPct val="80000"/>
-              <a:buFont typeface="Arial" pitchFamily="34" charset="0"/>
-              <a:buChar char="•"/>
-              <a:defRPr sz="2000" kern="1200">
-                <a:gradFill>
-                  <a:gsLst>
-                    <a:gs pos="0">
-                      <a:srgbClr val="595959"/>
-                    </a:gs>
-                    <a:gs pos="86000">
-                      <a:srgbClr val="595959"/>
-                    </a:gs>
-                  </a:gsLst>
-                  <a:lin ang="5400000" scaled="0"/>
-                </a:gradFill>
-                <a:latin typeface="+mn-lt"/>
-                <a:ea typeface="+mn-ea"/>
-                <a:cs typeface="+mn-cs"/>
-              </a:defRPr>
-            </a:lvl5pPr>
-            <a:lvl6pPr marL="2514499" indent="-228591" algn="l" defTabSz="914363" rtl="0" eaLnBrk="1" latinLnBrk="0" hangingPunct="1">
-              <a:spcBef>
-                <a:spcPct val="20000"/>
-              </a:spcBef>
-              <a:buFont typeface="Arial" pitchFamily="34" charset="0"/>
-              <a:buChar char="•"/>
-              <a:defRPr sz="2000" kern="1200">
-                <a:solidFill>
-                  <a:schemeClr val="tx1"/>
-                </a:solidFill>
-                <a:latin typeface="+mn-lt"/>
-                <a:ea typeface="+mn-ea"/>
-                <a:cs typeface="+mn-cs"/>
-              </a:defRPr>
-            </a:lvl6pPr>
-            <a:lvl7pPr marL="2971681" indent="-228591" algn="l" defTabSz="914363" rtl="0" eaLnBrk="1" latinLnBrk="0" hangingPunct="1">
-              <a:spcBef>
-                <a:spcPct val="20000"/>
-              </a:spcBef>
-              <a:buFont typeface="Arial" pitchFamily="34" charset="0"/>
-              <a:buChar char="•"/>
-              <a:defRPr sz="2000" kern="1200">
-                <a:solidFill>
-                  <a:schemeClr val="tx1"/>
-                </a:solidFill>
-                <a:latin typeface="+mn-lt"/>
-                <a:ea typeface="+mn-ea"/>
-                <a:cs typeface="+mn-cs"/>
-              </a:defRPr>
-            </a:lvl7pPr>
-            <a:lvl8pPr marL="3428863" indent="-228591" algn="l" defTabSz="914363" rtl="0" eaLnBrk="1" latinLnBrk="0" hangingPunct="1">
-              <a:spcBef>
-                <a:spcPct val="20000"/>
-              </a:spcBef>
-              <a:buFont typeface="Arial" pitchFamily="34" charset="0"/>
-              <a:buChar char="•"/>
-              <a:defRPr sz="2000" kern="1200">
-                <a:solidFill>
-                  <a:schemeClr val="tx1"/>
-                </a:solidFill>
-                <a:latin typeface="+mn-lt"/>
-                <a:ea typeface="+mn-ea"/>
-                <a:cs typeface="+mn-cs"/>
-              </a:defRPr>
-            </a:lvl8pPr>
-            <a:lvl9pPr marL="3886045" indent="-228591" algn="l" defTabSz="914363" rtl="0" eaLnBrk="1" latinLnBrk="0" hangingPunct="1">
-              <a:spcBef>
-                <a:spcPct val="20000"/>
-              </a:spcBef>
-              <a:buFont typeface="Arial" pitchFamily="34" charset="0"/>
-              <a:buChar char="•"/>
-              <a:defRPr sz="2000" kern="1200">
-                <a:solidFill>
-                  <a:schemeClr val="tx1"/>
-                </a:solidFill>
-                <a:latin typeface="+mn-lt"/>
-                <a:ea typeface="+mn-ea"/>
-                <a:cs typeface="+mn-cs"/>
-              </a:defRPr>
-            </a:lvl9pPr>
-          </a:lstStyle>
-          <a:p>
-            <a:pPr marL="252000" lvl="1" indent="0" defTabSz="914325">
-              <a:spcBef>
-                <a:spcPts val="1200"/>
-              </a:spcBef>
-              <a:buNone/>
-            </a:pPr>
-            <a:r>
-              <a:rPr lang="en-US" sz="4400" dirty="0" smtClean="0">
-                <a:solidFill>
-                  <a:schemeClr val="bg1"/>
-                </a:solidFill>
-                <a:latin typeface="+mj-lt"/>
-              </a:rPr>
               <a:t>Use </a:t>
             </a:r>
             <a:r>
@@ -45540,6 +46332,260 @@
         <p:cTn id="1" dur="indefinite" restart="never" nodeType="tmRoot"/>
       </p:par>
     </p:tnLst>
+  </p:timing>
+</p:sld>
+</file>
+
+<file path=ppt/slides/slide32.xml><?xml version="1.0" encoding="utf-8"?>
+<p:sld xmlns:a="http://schemas.openxmlformats.org/drawingml/2006/main" xmlns:r="http://schemas.openxmlformats.org/officeDocument/2006/relationships" xmlns:p="http://schemas.openxmlformats.org/presentationml/2006/main">
+  <p:cSld>
+    <p:spTree>
+      <p:nvGrpSpPr>
+        <p:cNvPr id="1" name=""/>
+        <p:cNvGrpSpPr/>
+        <p:nvPr/>
+      </p:nvGrpSpPr>
+      <p:grpSpPr>
+        <a:xfrm>
+          <a:off x="0" y="0"/>
+          <a:ext cx="0" cy="0"/>
+          <a:chOff x="0" y="0"/>
+          <a:chExt cx="0" cy="0"/>
+        </a:xfrm>
+      </p:grpSpPr>
+      <p:sp>
+        <p:nvSpPr>
+          <p:cNvPr id="3" name="Subtitle 2"/>
+          <p:cNvSpPr>
+            <a:spLocks noGrp="1"/>
+          </p:cNvSpPr>
+          <p:nvPr>
+            <p:ph type="subTitle" idx="4294967295"/>
+          </p:nvPr>
+        </p:nvSpPr>
+        <p:spPr>
+          <a:xfrm>
+            <a:off x="0" y="0"/>
+            <a:ext cx="12192000" cy="6858000"/>
+          </a:xfrm>
+        </p:spPr>
+        <p:txBody>
+          <a:bodyPr>
+            <a:normAutofit/>
+          </a:bodyPr>
+          <a:lstStyle/>
+          <a:p>
+            <a:r>
+              <a:rPr lang="en-US" sz="4400" dirty="0" smtClean="0"/>
+              <a:t>Run </a:t>
+            </a:r>
+            <a:r>
+              <a:rPr lang="en-US" sz="4400" smtClean="0"/>
+              <a:t>Simple Performance Benchmark </a:t>
+            </a:r>
+            <a:r>
+              <a:rPr lang="en-US" sz="4400" dirty="0" smtClean="0"/>
+              <a:t>Test</a:t>
+            </a:r>
+            <a:endParaRPr lang="en-US" sz="4400" dirty="0">
+              <a:latin typeface="+mj-lt"/>
+            </a:endParaRPr>
+          </a:p>
+        </p:txBody>
+      </p:sp>
+      <p:sp>
+        <p:nvSpPr>
+          <p:cNvPr id="4" name="Title 3"/>
+          <p:cNvSpPr txBox="1">
+            <a:spLocks/>
+          </p:cNvSpPr>
+          <p:nvPr/>
+        </p:nvSpPr>
+        <p:spPr>
+          <a:xfrm>
+            <a:off x="0" y="0"/>
+            <a:ext cx="12192000" cy="812800"/>
+          </a:xfrm>
+          <a:prstGeom prst="rect">
+            <a:avLst/>
+          </a:prstGeom>
+        </p:spPr>
+        <p:txBody>
+          <a:bodyPr vert="horz" lIns="91440" tIns="45720" rIns="91440" bIns="45720" rtlCol="0" anchor="ctr">
+            <a:normAutofit/>
+          </a:bodyPr>
+          <a:lstStyle>
+            <a:lvl1pPr marL="252000" algn="l" defTabSz="914400" rtl="0" eaLnBrk="1" latinLnBrk="0" hangingPunct="1">
+              <a:lnSpc>
+                <a:spcPct val="90000"/>
+              </a:lnSpc>
+              <a:spcBef>
+                <a:spcPct val="0"/>
+              </a:spcBef>
+              <a:buNone/>
+              <a:defRPr sz="2800" kern="1200">
+                <a:solidFill>
+                  <a:schemeClr val="bg1"/>
+                </a:solidFill>
+                <a:latin typeface="+mj-lt"/>
+                <a:ea typeface="+mj-ea"/>
+                <a:cs typeface="+mj-cs"/>
+              </a:defRPr>
+            </a:lvl1pPr>
+          </a:lstStyle>
+          <a:p>
+            <a:r>
+              <a:rPr lang="en-US" dirty="0" smtClean="0"/>
+              <a:t>Demo</a:t>
+            </a:r>
+            <a:endParaRPr lang="en-US" dirty="0"/>
+          </a:p>
+        </p:txBody>
+      </p:sp>
+      <p:pic>
+        <p:nvPicPr>
+          <p:cNvPr id="5" name="Picture 4"/>
+          <p:cNvPicPr>
+            <a:picLocks noChangeAspect="1"/>
+          </p:cNvPicPr>
+          <p:nvPr/>
+        </p:nvPicPr>
+        <p:blipFill>
+          <a:blip r:embed="rId3">
+            <a:biLevel thresh="25000"/>
+          </a:blip>
+          <a:stretch>
+            <a:fillRect/>
+          </a:stretch>
+        </p:blipFill>
+        <p:spPr>
+          <a:xfrm>
+            <a:off x="11287913" y="72570"/>
+            <a:ext cx="817002" cy="859814"/>
+          </a:xfrm>
+          <a:prstGeom prst="rect">
+            <a:avLst/>
+          </a:prstGeom>
+        </p:spPr>
+      </p:pic>
+    </p:spTree>
+    <p:extLst>
+      <p:ext uri="{BB962C8B-B14F-4D97-AF65-F5344CB8AC3E}">
+        <p14:creationId xmlns:p14="http://schemas.microsoft.com/office/powerpoint/2010/main" val="1225959785"/>
+      </p:ext>
+    </p:extLst>
+  </p:cSld>
+  <p:clrMapOvr>
+    <a:masterClrMapping/>
+  </p:clrMapOvr>
+  <mc:AlternateContent xmlns:mc="http://schemas.openxmlformats.org/markup-compatibility/2006" xmlns:p14="http://schemas.microsoft.com/office/powerpoint/2010/main">
+    <mc:Choice Requires="p14">
+      <p:transition spd="med" p14:dur="700">
+        <p:fade/>
+      </p:transition>
+    </mc:Choice>
+    <mc:Fallback xmlns="">
+      <p:transition spd="med">
+        <p:fade/>
+      </p:transition>
+    </mc:Fallback>
+  </mc:AlternateContent>
+  <p:timing>
+    <p:tnLst>
+      <p:par>
+        <p:cTn id="1" dur="indefinite" restart="never" nodeType="tmRoot">
+          <p:childTnLst>
+            <p:seq concurrent="1" nextAc="seek">
+              <p:cTn id="2" dur="indefinite" nodeType="mainSeq">
+                <p:childTnLst>
+                  <p:par>
+                    <p:cTn id="3" fill="hold">
+                      <p:stCondLst>
+                        <p:cond delay="indefinite"/>
+                        <p:cond evt="onBegin" delay="0">
+                          <p:tn val="2"/>
+                        </p:cond>
+                      </p:stCondLst>
+                      <p:childTnLst>
+                        <p:par>
+                          <p:cTn id="4" fill="hold">
+                            <p:stCondLst>
+                              <p:cond delay="0"/>
+                            </p:stCondLst>
+                            <p:childTnLst>
+                              <p:par>
+                                <p:cTn id="5" presetID="10" presetClass="entr" presetSubtype="0" fill="hold" grpId="0" nodeType="afterEffect">
+                                  <p:stCondLst>
+                                    <p:cond delay="0"/>
+                                  </p:stCondLst>
+                                  <p:childTnLst>
+                                    <p:set>
+                                      <p:cBhvr>
+                                        <p:cTn id="6" dur="1" fill="hold">
+                                          <p:stCondLst>
+                                            <p:cond delay="0"/>
+                                          </p:stCondLst>
+                                        </p:cTn>
+                                        <p:tgtEl>
+                                          <p:spTgt spid="3">
+                                            <p:txEl>
+                                              <p:pRg st="0" end="0"/>
+                                            </p:txEl>
+                                          </p:spTgt>
+                                        </p:tgtEl>
+                                        <p:attrNameLst>
+                                          <p:attrName>style.visibility</p:attrName>
+                                        </p:attrNameLst>
+                                      </p:cBhvr>
+                                      <p:to>
+                                        <p:strVal val="visible"/>
+                                      </p:to>
+                                    </p:set>
+                                    <p:animEffect transition="in" filter="fade">
+                                      <p:cBhvr>
+                                        <p:cTn id="7" dur="500"/>
+                                        <p:tgtEl>
+                                          <p:spTgt spid="3">
+                                            <p:txEl>
+                                              <p:pRg st="0" end="0"/>
+                                            </p:txEl>
+                                          </p:spTgt>
+                                        </p:tgtEl>
+                                      </p:cBhvr>
+                                    </p:animEffect>
+                                  </p:childTnLst>
+                                </p:cTn>
+                              </p:par>
+                            </p:childTnLst>
+                          </p:cTn>
+                        </p:par>
+                      </p:childTnLst>
+                    </p:cTn>
+                  </p:par>
+                </p:childTnLst>
+              </p:cTn>
+              <p:prevCondLst>
+                <p:cond evt="onPrev" delay="0">
+                  <p:tgtEl>
+                    <p:sldTgt/>
+                  </p:tgtEl>
+                </p:cond>
+              </p:prevCondLst>
+              <p:nextCondLst>
+                <p:cond evt="onNext" delay="0">
+                  <p:tgtEl>
+                    <p:sldTgt/>
+                  </p:tgtEl>
+                </p:cond>
+              </p:nextCondLst>
+            </p:seq>
+          </p:childTnLst>
+        </p:cTn>
+      </p:par>
+    </p:tnLst>
+    <p:bldLst>
+      <p:bldP spid="3" grpId="0" uiExpand="1" build="p"/>
+    </p:bldLst>
   </p:timing>
 </p:sld>
 </file>
@@ -51650,29 +52696,6 @@
 </file>
 
 <file path=customXml/item1.xml><?xml version="1.0" encoding="utf-8"?>
-<p:properties xmlns:p="http://schemas.microsoft.com/office/2006/metadata/properties" xmlns:xsi="http://www.w3.org/2001/XMLSchema-instance" xmlns:pc="http://schemas.microsoft.com/office/infopath/2007/PartnerControls">
-  <documentManagement>
-    <SharedWithUsers xmlns="fee586e5-3c92-48eb-9898-42915e590ada">
-      <UserInfo>
-        <DisplayName>Rick Claus</DisplayName>
-        <AccountId>401</AccountId>
-        <AccountType/>
-      </UserInfo>
-    </SharedWithUsers>
-  </documentManagement>
-</p:properties>
-</file>
-
-<file path=customXml/item2.xml><?xml version="1.0" encoding="utf-8"?>
-<?mso-contentType ?>
-<FormTemplates xmlns="http://schemas.microsoft.com/sharepoint/v3/contenttype/forms">
-  <Display>DocumentLibraryForm</Display>
-  <Edit>DocumentLibraryForm</Edit>
-  <New>DocumentLibraryForm</New>
-</FormTemplates>
-</file>
-
-<file path=customXml/item3.xml><?xml version="1.0" encoding="utf-8"?>
 <ct:contentTypeSchema xmlns:ct="http://schemas.microsoft.com/office/2006/metadata/contentType" xmlns:ma="http://schemas.microsoft.com/office/2006/metadata/properties/metaAttributes" ct:_="" ma:_="" ma:contentTypeName="Document" ma:contentTypeID="0x0101004A821E223A3BC347949CC2419033DBE2" ma:contentTypeVersion="1" ma:contentTypeDescription="Create a new document." ma:contentTypeScope="" ma:versionID="519c6bc90736a6e8abbbdb38ed934ac6">
   <xsd:schema xmlns:xsd="http://www.w3.org/2001/XMLSchema" xmlns:xs="http://www.w3.org/2001/XMLSchema" xmlns:p="http://schemas.microsoft.com/office/2006/metadata/properties" xmlns:ns2="fee586e5-3c92-48eb-9898-42915e590ada" targetNamespace="http://schemas.microsoft.com/office/2006/metadata/properties" ma:root="true" ma:fieldsID="4da06bcf8031bc55fa8390c6716287b0" ns2:_="">
     <xsd:import namespace="fee586e5-3c92-48eb-9898-42915e590ada"/>
@@ -51812,31 +52835,30 @@
 </ct:contentTypeSchema>
 </file>
 
-<file path=customXml/itemProps1.xml><?xml version="1.0" encoding="utf-8"?>
-<ds:datastoreItem xmlns:ds="http://schemas.openxmlformats.org/officeDocument/2006/customXml" ds:itemID="{B030EFEA-9AEA-457C-BAA8-93C4281792F5}">
-  <ds:schemaRefs>
-    <ds:schemaRef ds:uri="http://purl.org/dc/terms/"/>
-    <ds:schemaRef ds:uri="http://schemas.microsoft.com/office/2006/metadata/properties"/>
-    <ds:schemaRef ds:uri="http://purl.org/dc/elements/1.1/"/>
-    <ds:schemaRef ds:uri="http://www.w3.org/XML/1998/namespace"/>
-    <ds:schemaRef ds:uri="http://schemas.microsoft.com/office/infopath/2007/PartnerControls"/>
-    <ds:schemaRef ds:uri="fee586e5-3c92-48eb-9898-42915e590ada"/>
-    <ds:schemaRef ds:uri="http://schemas.microsoft.com/office/2006/documentManagement/types"/>
-    <ds:schemaRef ds:uri="http://schemas.openxmlformats.org/package/2006/metadata/core-properties"/>
-    <ds:schemaRef ds:uri="http://purl.org/dc/dcmitype/"/>
-  </ds:schemaRefs>
-</ds:datastoreItem>
+<file path=customXml/item2.xml><?xml version="1.0" encoding="utf-8"?>
+<?mso-contentType ?>
+<FormTemplates xmlns="http://schemas.microsoft.com/sharepoint/v3/contenttype/forms">
+  <Display>DocumentLibraryForm</Display>
+  <Edit>DocumentLibraryForm</Edit>
+  <New>DocumentLibraryForm</New>
+</FormTemplates>
 </file>
 
-<file path=customXml/itemProps2.xml><?xml version="1.0" encoding="utf-8"?>
-<ds:datastoreItem xmlns:ds="http://schemas.openxmlformats.org/officeDocument/2006/customXml" ds:itemID="{14B32142-DE2C-423C-A302-95CAC214862A}">
-  <ds:schemaRefs>
-    <ds:schemaRef ds:uri="http://schemas.microsoft.com/sharepoint/v3/contenttype/forms"/>
-  </ds:schemaRefs>
-</ds:datastoreItem>
+<file path=customXml/item3.xml><?xml version="1.0" encoding="utf-8"?>
+<p:properties xmlns:p="http://schemas.microsoft.com/office/2006/metadata/properties" xmlns:xsi="http://www.w3.org/2001/XMLSchema-instance" xmlns:pc="http://schemas.microsoft.com/office/infopath/2007/PartnerControls">
+  <documentManagement>
+    <SharedWithUsers xmlns="fee586e5-3c92-48eb-9898-42915e590ada">
+      <UserInfo>
+        <DisplayName>Rick Claus</DisplayName>
+        <AccountId>401</AccountId>
+        <AccountType/>
+      </UserInfo>
+    </SharedWithUsers>
+  </documentManagement>
+</p:properties>
 </file>
 
-<file path=customXml/itemProps3.xml><?xml version="1.0" encoding="utf-8"?>
+<file path=customXml/itemProps1.xml><?xml version="1.0" encoding="utf-8"?>
 <ds:datastoreItem xmlns:ds="http://schemas.openxmlformats.org/officeDocument/2006/customXml" ds:itemID="{3469201C-D4CA-4918-A4FF-8ED15147EC4D}">
   <ds:schemaRefs>
     <ds:schemaRef ds:uri="http://schemas.microsoft.com/office/2006/metadata/contentType"/>
@@ -51852,4 +52874,28 @@
     <ds:schemaRef ds:uri="http://schemas.microsoft.com/internal/obd"/>
   </ds:schemaRefs>
 </ds:datastoreItem>
+</file>
+
+<file path=customXml/itemProps2.xml><?xml version="1.0" encoding="utf-8"?>
+<ds:datastoreItem xmlns:ds="http://schemas.openxmlformats.org/officeDocument/2006/customXml" ds:itemID="{14B32142-DE2C-423C-A302-95CAC214862A}">
+  <ds:schemaRefs>
+    <ds:schemaRef ds:uri="http://schemas.microsoft.com/sharepoint/v3/contenttype/forms"/>
+  </ds:schemaRefs>
+</ds:datastoreItem>
+</file>
+
+<file path=customXml/itemProps3.xml><?xml version="1.0" encoding="utf-8"?>
+<ds:datastoreItem xmlns:ds="http://schemas.openxmlformats.org/officeDocument/2006/customXml" ds:itemID="{B030EFEA-9AEA-457C-BAA8-93C4281792F5}">
+  <ds:schemaRefs>
+    <ds:schemaRef ds:uri="http://purl.org/dc/terms/"/>
+    <ds:schemaRef ds:uri="http://schemas.microsoft.com/office/2006/metadata/properties"/>
+    <ds:schemaRef ds:uri="http://purl.org/dc/elements/1.1/"/>
+    <ds:schemaRef ds:uri="http://www.w3.org/XML/1998/namespace"/>
+    <ds:schemaRef ds:uri="http://schemas.microsoft.com/office/infopath/2007/PartnerControls"/>
+    <ds:schemaRef ds:uri="fee586e5-3c92-48eb-9898-42915e590ada"/>
+    <ds:schemaRef ds:uri="http://schemas.microsoft.com/office/2006/documentManagement/types"/>
+    <ds:schemaRef ds:uri="http://schemas.openxmlformats.org/package/2006/metadata/core-properties"/>
+    <ds:schemaRef ds:uri="http://purl.org/dc/dcmitype/"/>
+  </ds:schemaRefs>
+</ds:datastoreItem>
 </file>